--- a/Manuscript/Figures/05_RESULTS_VRTs.pptx
+++ b/Manuscript/Figures/05_RESULTS_VRTs.pptx
@@ -125,7 +125,7 @@
   <pc:docChgLst>
     <pc:chgData name="Fatima Pillosu" userId="a6295d4dc9e22643" providerId="LiveId" clId="{2A9B2BDC-83AC-40F6-B019-2565973FE23A}"/>
     <pc:docChg chg="undo redo custSel addSld delSld modSld">
-      <pc:chgData name="Fatima Pillosu" userId="a6295d4dc9e22643" providerId="LiveId" clId="{2A9B2BDC-83AC-40F6-B019-2565973FE23A}" dt="2023-11-13T16:13:33.347" v="3574"/>
+      <pc:chgData name="Fatima Pillosu" userId="a6295d4dc9e22643" providerId="LiveId" clId="{2A9B2BDC-83AC-40F6-B019-2565973FE23A}" dt="2023-11-17T17:22:43.823" v="3584" actId="208"/>
       <pc:docMkLst>
         <pc:docMk/>
       </pc:docMkLst>
@@ -2151,7 +2151,7 @@
         </pc:cxnChg>
       </pc:sldChg>
       <pc:sldChg chg="addSp delSp modSp new mod">
-        <pc:chgData name="Fatima Pillosu" userId="a6295d4dc9e22643" providerId="LiveId" clId="{2A9B2BDC-83AC-40F6-B019-2565973FE23A}" dt="2023-11-13T16:13:33.347" v="3574"/>
+        <pc:chgData name="Fatima Pillosu" userId="a6295d4dc9e22643" providerId="LiveId" clId="{2A9B2BDC-83AC-40F6-B019-2565973FE23A}" dt="2023-11-17T17:22:43.823" v="3584" actId="208"/>
         <pc:sldMkLst>
           <pc:docMk/>
           <pc:sldMk cId="2456034706" sldId="261"/>
@@ -2869,7 +2869,7 @@
           </ac:spMkLst>
         </pc:spChg>
         <pc:spChg chg="add mod">
-          <ac:chgData name="Fatima Pillosu" userId="a6295d4dc9e22643" providerId="LiveId" clId="{2A9B2BDC-83AC-40F6-B019-2565973FE23A}" dt="2023-11-13T16:13:33.347" v="3574"/>
+          <ac:chgData name="Fatima Pillosu" userId="a6295d4dc9e22643" providerId="LiveId" clId="{2A9B2BDC-83AC-40F6-B019-2565973FE23A}" dt="2023-11-17T17:22:43.823" v="3584" actId="208"/>
           <ac:spMkLst>
             <pc:docMk/>
             <pc:sldMk cId="2456034706" sldId="261"/>
@@ -2877,15 +2877,15 @@
           </ac:spMkLst>
         </pc:spChg>
         <pc:spChg chg="add mod">
-          <ac:chgData name="Fatima Pillosu" userId="a6295d4dc9e22643" providerId="LiveId" clId="{2A9B2BDC-83AC-40F6-B019-2565973FE23A}" dt="2023-11-13T16:13:33.347" v="3574"/>
+          <ac:chgData name="Fatima Pillosu" userId="a6295d4dc9e22643" providerId="LiveId" clId="{2A9B2BDC-83AC-40F6-B019-2565973FE23A}" dt="2023-11-17T17:22:43.823" v="3584" actId="208"/>
           <ac:spMkLst>
             <pc:docMk/>
             <pc:sldMk cId="2456034706" sldId="261"/>
             <ac:spMk id="148" creationId="{600F823E-FD62-C872-3BBC-2B200EA0531C}"/>
           </ac:spMkLst>
         </pc:spChg>
-        <pc:spChg chg="add mod">
-          <ac:chgData name="Fatima Pillosu" userId="a6295d4dc9e22643" providerId="LiveId" clId="{2A9B2BDC-83AC-40F6-B019-2565973FE23A}" dt="2023-11-13T16:13:33.347" v="3574"/>
+        <pc:spChg chg="add del mod">
+          <ac:chgData name="Fatima Pillosu" userId="a6295d4dc9e22643" providerId="LiveId" clId="{2A9B2BDC-83AC-40F6-B019-2565973FE23A}" dt="2023-11-17T17:21:14.536" v="3576" actId="478"/>
           <ac:spMkLst>
             <pc:docMk/>
             <pc:sldMk cId="2456034706" sldId="261"/>
@@ -2901,7 +2901,7 @@
           </ac:spMkLst>
         </pc:spChg>
         <pc:spChg chg="add mod">
-          <ac:chgData name="Fatima Pillosu" userId="a6295d4dc9e22643" providerId="LiveId" clId="{2A9B2BDC-83AC-40F6-B019-2565973FE23A}" dt="2023-11-13T16:13:33.347" v="3574"/>
+          <ac:chgData name="Fatima Pillosu" userId="a6295d4dc9e22643" providerId="LiveId" clId="{2A9B2BDC-83AC-40F6-B019-2565973FE23A}" dt="2023-11-17T17:21:21.798" v="3579" actId="20577"/>
           <ac:spMkLst>
             <pc:docMk/>
             <pc:sldMk cId="2456034706" sldId="261"/>
@@ -2909,7 +2909,7 @@
           </ac:spMkLst>
         </pc:spChg>
         <pc:spChg chg="add mod">
-          <ac:chgData name="Fatima Pillosu" userId="a6295d4dc9e22643" providerId="LiveId" clId="{2A9B2BDC-83AC-40F6-B019-2565973FE23A}" dt="2023-11-13T16:13:33.347" v="3574"/>
+          <ac:chgData name="Fatima Pillosu" userId="a6295d4dc9e22643" providerId="LiveId" clId="{2A9B2BDC-83AC-40F6-B019-2565973FE23A}" dt="2023-11-17T17:21:26.311" v="3583" actId="20577"/>
           <ac:spMkLst>
             <pc:docMk/>
             <pc:sldMk cId="2456034706" sldId="261"/>
@@ -2917,7 +2917,7 @@
           </ac:spMkLst>
         </pc:spChg>
         <pc:spChg chg="add mod">
-          <ac:chgData name="Fatima Pillosu" userId="a6295d4dc9e22643" providerId="LiveId" clId="{2A9B2BDC-83AC-40F6-B019-2565973FE23A}" dt="2023-11-13T16:13:33.347" v="3574"/>
+          <ac:chgData name="Fatima Pillosu" userId="a6295d4dc9e22643" providerId="LiveId" clId="{2A9B2BDC-83AC-40F6-B019-2565973FE23A}" dt="2023-11-17T17:22:43.823" v="3584" actId="208"/>
           <ac:spMkLst>
             <pc:docMk/>
             <pc:sldMk cId="2456034706" sldId="261"/>
@@ -2925,15 +2925,15 @@
           </ac:spMkLst>
         </pc:spChg>
         <pc:spChg chg="add mod">
-          <ac:chgData name="Fatima Pillosu" userId="a6295d4dc9e22643" providerId="LiveId" clId="{2A9B2BDC-83AC-40F6-B019-2565973FE23A}" dt="2023-11-13T16:13:33.347" v="3574"/>
+          <ac:chgData name="Fatima Pillosu" userId="a6295d4dc9e22643" providerId="LiveId" clId="{2A9B2BDC-83AC-40F6-B019-2565973FE23A}" dt="2023-11-17T17:22:43.823" v="3584" actId="208"/>
           <ac:spMkLst>
             <pc:docMk/>
             <pc:sldMk cId="2456034706" sldId="261"/>
             <ac:spMk id="156" creationId="{293D665F-A7EB-5310-8C48-7612D828D1CB}"/>
           </ac:spMkLst>
         </pc:spChg>
-        <pc:spChg chg="add mod">
-          <ac:chgData name="Fatima Pillosu" userId="a6295d4dc9e22643" providerId="LiveId" clId="{2A9B2BDC-83AC-40F6-B019-2565973FE23A}" dt="2023-11-13T16:13:33.347" v="3574"/>
+        <pc:spChg chg="add del mod">
+          <ac:chgData name="Fatima Pillosu" userId="a6295d4dc9e22643" providerId="LiveId" clId="{2A9B2BDC-83AC-40F6-B019-2565973FE23A}" dt="2023-11-17T17:21:13.434" v="3575" actId="478"/>
           <ac:spMkLst>
             <pc:docMk/>
             <pc:sldMk cId="2456034706" sldId="261"/>
@@ -2957,7 +2957,7 @@
           </ac:spMkLst>
         </pc:spChg>
         <pc:spChg chg="add mod">
-          <ac:chgData name="Fatima Pillosu" userId="a6295d4dc9e22643" providerId="LiveId" clId="{2A9B2BDC-83AC-40F6-B019-2565973FE23A}" dt="2023-11-13T16:13:33.347" v="3574"/>
+          <ac:chgData name="Fatima Pillosu" userId="a6295d4dc9e22643" providerId="LiveId" clId="{2A9B2BDC-83AC-40F6-B019-2565973FE23A}" dt="2023-11-17T17:21:18.732" v="3578" actId="20577"/>
           <ac:spMkLst>
             <pc:docMk/>
             <pc:sldMk cId="2456034706" sldId="261"/>
@@ -3749,7 +3749,7 @@
           </ac:cxnSpMkLst>
         </pc:cxnChg>
         <pc:cxnChg chg="add mod">
-          <ac:chgData name="Fatima Pillosu" userId="a6295d4dc9e22643" providerId="LiveId" clId="{2A9B2BDC-83AC-40F6-B019-2565973FE23A}" dt="2023-11-13T16:13:33.347" v="3574"/>
+          <ac:chgData name="Fatima Pillosu" userId="a6295d4dc9e22643" providerId="LiveId" clId="{2A9B2BDC-83AC-40F6-B019-2565973FE23A}" dt="2023-11-17T17:22:43.823" v="3584" actId="208"/>
           <ac:cxnSpMkLst>
             <pc:docMk/>
             <pc:sldMk cId="2456034706" sldId="261"/>
@@ -3757,7 +3757,7 @@
           </ac:cxnSpMkLst>
         </pc:cxnChg>
         <pc:cxnChg chg="add mod">
-          <ac:chgData name="Fatima Pillosu" userId="a6295d4dc9e22643" providerId="LiveId" clId="{2A9B2BDC-83AC-40F6-B019-2565973FE23A}" dt="2023-11-13T16:13:33.347" v="3574"/>
+          <ac:chgData name="Fatima Pillosu" userId="a6295d4dc9e22643" providerId="LiveId" clId="{2A9B2BDC-83AC-40F6-B019-2565973FE23A}" dt="2023-11-17T17:22:43.823" v="3584" actId="208"/>
           <ac:cxnSpMkLst>
             <pc:docMk/>
             <pc:sldMk cId="2456034706" sldId="261"/>
@@ -3765,7 +3765,7 @@
           </ac:cxnSpMkLst>
         </pc:cxnChg>
         <pc:cxnChg chg="add mod">
-          <ac:chgData name="Fatima Pillosu" userId="a6295d4dc9e22643" providerId="LiveId" clId="{2A9B2BDC-83AC-40F6-B019-2565973FE23A}" dt="2023-11-13T16:13:33.347" v="3574"/>
+          <ac:chgData name="Fatima Pillosu" userId="a6295d4dc9e22643" providerId="LiveId" clId="{2A9B2BDC-83AC-40F6-B019-2565973FE23A}" dt="2023-11-17T17:22:43.823" v="3584" actId="208"/>
           <ac:cxnSpMkLst>
             <pc:docMk/>
             <pc:sldMk cId="2456034706" sldId="261"/>
@@ -3773,7 +3773,7 @@
           </ac:cxnSpMkLst>
         </pc:cxnChg>
         <pc:cxnChg chg="add mod">
-          <ac:chgData name="Fatima Pillosu" userId="a6295d4dc9e22643" providerId="LiveId" clId="{2A9B2BDC-83AC-40F6-B019-2565973FE23A}" dt="2023-11-13T16:13:33.347" v="3574"/>
+          <ac:chgData name="Fatima Pillosu" userId="a6295d4dc9e22643" providerId="LiveId" clId="{2A9B2BDC-83AC-40F6-B019-2565973FE23A}" dt="2023-11-17T17:22:43.823" v="3584" actId="208"/>
           <ac:cxnSpMkLst>
             <pc:docMk/>
             <pc:sldMk cId="2456034706" sldId="261"/>
@@ -16086,7 +16086,7 @@
           <a:p>
             <a:fld id="{B80D15F6-78EE-4630-AC5E-09BE10AE3EAA}" type="datetimeFigureOut">
               <a:rPr lang="en-GB" smtClean="0"/>
-              <a:t>13/11/2023</a:t>
+              <a:t>17/11/2023</a:t>
             </a:fld>
             <a:endParaRPr lang="en-GB"/>
           </a:p>
@@ -16256,7 +16256,7 @@
           <a:p>
             <a:fld id="{B80D15F6-78EE-4630-AC5E-09BE10AE3EAA}" type="datetimeFigureOut">
               <a:rPr lang="en-GB" smtClean="0"/>
-              <a:t>13/11/2023</a:t>
+              <a:t>17/11/2023</a:t>
             </a:fld>
             <a:endParaRPr lang="en-GB"/>
           </a:p>
@@ -16436,7 +16436,7 @@
           <a:p>
             <a:fld id="{B80D15F6-78EE-4630-AC5E-09BE10AE3EAA}" type="datetimeFigureOut">
               <a:rPr lang="en-GB" smtClean="0"/>
-              <a:t>13/11/2023</a:t>
+              <a:t>17/11/2023</a:t>
             </a:fld>
             <a:endParaRPr lang="en-GB"/>
           </a:p>
@@ -16606,7 +16606,7 @@
           <a:p>
             <a:fld id="{B80D15F6-78EE-4630-AC5E-09BE10AE3EAA}" type="datetimeFigureOut">
               <a:rPr lang="en-GB" smtClean="0"/>
-              <a:t>13/11/2023</a:t>
+              <a:t>17/11/2023</a:t>
             </a:fld>
             <a:endParaRPr lang="en-GB"/>
           </a:p>
@@ -16850,7 +16850,7 @@
           <a:p>
             <a:fld id="{B80D15F6-78EE-4630-AC5E-09BE10AE3EAA}" type="datetimeFigureOut">
               <a:rPr lang="en-GB" smtClean="0"/>
-              <a:t>13/11/2023</a:t>
+              <a:t>17/11/2023</a:t>
             </a:fld>
             <a:endParaRPr lang="en-GB"/>
           </a:p>
@@ -17082,7 +17082,7 @@
           <a:p>
             <a:fld id="{B80D15F6-78EE-4630-AC5E-09BE10AE3EAA}" type="datetimeFigureOut">
               <a:rPr lang="en-GB" smtClean="0"/>
-              <a:t>13/11/2023</a:t>
+              <a:t>17/11/2023</a:t>
             </a:fld>
             <a:endParaRPr lang="en-GB"/>
           </a:p>
@@ -17449,7 +17449,7 @@
           <a:p>
             <a:fld id="{B80D15F6-78EE-4630-AC5E-09BE10AE3EAA}" type="datetimeFigureOut">
               <a:rPr lang="en-GB" smtClean="0"/>
-              <a:t>13/11/2023</a:t>
+              <a:t>17/11/2023</a:t>
             </a:fld>
             <a:endParaRPr lang="en-GB"/>
           </a:p>
@@ -17567,7 +17567,7 @@
           <a:p>
             <a:fld id="{B80D15F6-78EE-4630-AC5E-09BE10AE3EAA}" type="datetimeFigureOut">
               <a:rPr lang="en-GB" smtClean="0"/>
-              <a:t>13/11/2023</a:t>
+              <a:t>17/11/2023</a:t>
             </a:fld>
             <a:endParaRPr lang="en-GB"/>
           </a:p>
@@ -17662,7 +17662,7 @@
           <a:p>
             <a:fld id="{B80D15F6-78EE-4630-AC5E-09BE10AE3EAA}" type="datetimeFigureOut">
               <a:rPr lang="en-GB" smtClean="0"/>
-              <a:t>13/11/2023</a:t>
+              <a:t>17/11/2023</a:t>
             </a:fld>
             <a:endParaRPr lang="en-GB"/>
           </a:p>
@@ -17939,7 +17939,7 @@
           <a:p>
             <a:fld id="{B80D15F6-78EE-4630-AC5E-09BE10AE3EAA}" type="datetimeFigureOut">
               <a:rPr lang="en-GB" smtClean="0"/>
-              <a:t>13/11/2023</a:t>
+              <a:t>17/11/2023</a:t>
             </a:fld>
             <a:endParaRPr lang="en-GB"/>
           </a:p>
@@ -18196,7 +18196,7 @@
           <a:p>
             <a:fld id="{B80D15F6-78EE-4630-AC5E-09BE10AE3EAA}" type="datetimeFigureOut">
               <a:rPr lang="en-GB" smtClean="0"/>
-              <a:t>13/11/2023</a:t>
+              <a:t>17/11/2023</a:t>
             </a:fld>
             <a:endParaRPr lang="en-GB"/>
           </a:p>
@@ -18409,7 +18409,7 @@
           <a:p>
             <a:fld id="{B80D15F6-78EE-4630-AC5E-09BE10AE3EAA}" type="datetimeFigureOut">
               <a:rPr lang="en-GB" smtClean="0"/>
-              <a:t>13/11/2023</a:t>
+              <a:t>17/11/2023</a:t>
             </a:fld>
             <a:endParaRPr lang="en-GB"/>
           </a:p>
@@ -20080,7 +20080,7 @@
           <a:ln w="3175">
             <a:solidFill>
               <a:schemeClr val="bg2">
-                <a:lumMod val="75000"/>
+                <a:lumMod val="50000"/>
               </a:schemeClr>
             </a:solidFill>
           </a:ln>
@@ -20125,7 +20125,7 @@
           <a:ln w="3175">
             <a:solidFill>
               <a:schemeClr val="bg2">
-                <a:lumMod val="75000"/>
+                <a:lumMod val="50000"/>
               </a:schemeClr>
             </a:solidFill>
           </a:ln>
@@ -20169,7 +20169,7 @@
           <a:ln w="3175">
             <a:solidFill>
               <a:schemeClr val="bg2">
-                <a:lumMod val="75000"/>
+                <a:lumMod val="50000"/>
               </a:schemeClr>
             </a:solidFill>
           </a:ln>
@@ -20223,7 +20223,7 @@
           <a:ln w="3175">
             <a:solidFill>
               <a:schemeClr val="bg2">
-                <a:lumMod val="75000"/>
+                <a:lumMod val="50000"/>
               </a:schemeClr>
             </a:solidFill>
           </a:ln>
@@ -20250,49 +20250,6 @@
           <a:p>
             <a:pPr algn="ctr"/>
             <a:endParaRPr lang="en-GB"/>
-          </a:p>
-        </p:txBody>
-      </p:sp>
-      <p:sp>
-        <p:nvSpPr>
-          <p:cNvPr id="149" name="TextBox 105">
-            <a:extLst>
-              <a:ext uri="{FF2B5EF4-FFF2-40B4-BE49-F238E27FC236}">
-                <a16:creationId xmlns:a16="http://schemas.microsoft.com/office/drawing/2014/main" id="{6B7F4FA5-819A-4E60-3F07-2746C8209F35}"/>
-              </a:ext>
-            </a:extLst>
-          </p:cNvPr>
-          <p:cNvSpPr txBox="1"/>
-          <p:nvPr/>
-        </p:nvSpPr>
-        <p:spPr>
-          <a:xfrm>
-            <a:off x="2587188" y="4549699"/>
-            <a:ext cx="234000" cy="215444"/>
-          </a:xfrm>
-          <a:prstGeom prst="rect">
-            <a:avLst/>
-          </a:prstGeom>
-          <a:solidFill>
-            <a:schemeClr val="bg1"/>
-          </a:solidFill>
-          <a:ln w="3175">
-            <a:solidFill>
-              <a:schemeClr val="tx1"/>
-            </a:solidFill>
-          </a:ln>
-        </p:spPr>
-        <p:txBody>
-          <a:bodyPr wrap="square" rtlCol="0">
-            <a:spAutoFit/>
-          </a:bodyPr>
-          <a:lstStyle/>
-          <a:p>
-            <a:r>
-              <a:rPr lang="it-IT" sz="800" dirty="0"/>
-              <a:t>e</a:t>
-            </a:r>
-            <a:endParaRPr lang="en-GB" sz="800" dirty="0"/>
           </a:p>
         </p:txBody>
       </p:sp>
@@ -20379,7 +20336,7 @@
           <a:p>
             <a:r>
               <a:rPr lang="it-IT" sz="800" dirty="0"/>
-              <a:t>d</a:t>
+              <a:t>c</a:t>
             </a:r>
             <a:endParaRPr lang="en-GB" sz="800" dirty="0"/>
           </a:p>
@@ -20422,7 +20379,7 @@
           <a:p>
             <a:r>
               <a:rPr lang="it-IT" sz="800" dirty="0"/>
-              <a:t>f</a:t>
+              <a:t>d</a:t>
             </a:r>
             <a:endParaRPr lang="en-GB" sz="800" dirty="0"/>
           </a:p>
@@ -20453,7 +20410,7 @@
           <a:ln w="3175">
             <a:solidFill>
               <a:schemeClr val="bg2">
-                <a:lumMod val="75000"/>
+                <a:lumMod val="50000"/>
               </a:schemeClr>
             </a:solidFill>
           </a:ln>
@@ -20498,7 +20455,7 @@
           <a:ln w="3175">
             <a:solidFill>
               <a:schemeClr val="bg2">
-                <a:lumMod val="75000"/>
+                <a:lumMod val="50000"/>
               </a:schemeClr>
             </a:solidFill>
           </a:ln>
@@ -20542,7 +20499,7 @@
           <a:ln w="3175">
             <a:solidFill>
               <a:schemeClr val="bg2">
-                <a:lumMod val="75000"/>
+                <a:lumMod val="50000"/>
               </a:schemeClr>
             </a:solidFill>
           </a:ln>
@@ -20596,7 +20553,7 @@
           <a:ln w="3175">
             <a:solidFill>
               <a:schemeClr val="bg2">
-                <a:lumMod val="75000"/>
+                <a:lumMod val="50000"/>
               </a:schemeClr>
             </a:solidFill>
           </a:ln>
@@ -20623,49 +20580,6 @@
           <a:p>
             <a:pPr algn="ctr"/>
             <a:endParaRPr lang="en-GB"/>
-          </a:p>
-        </p:txBody>
-      </p:sp>
-      <p:sp>
-        <p:nvSpPr>
-          <p:cNvPr id="157" name="TextBox 105">
-            <a:extLst>
-              <a:ext uri="{FF2B5EF4-FFF2-40B4-BE49-F238E27FC236}">
-                <a16:creationId xmlns:a16="http://schemas.microsoft.com/office/drawing/2014/main" id="{BD612A62-F761-5369-BDFF-208A631A5005}"/>
-              </a:ext>
-            </a:extLst>
-          </p:cNvPr>
-          <p:cNvSpPr txBox="1"/>
-          <p:nvPr/>
-        </p:nvSpPr>
-        <p:spPr>
-          <a:xfrm>
-            <a:off x="2587188" y="1742296"/>
-            <a:ext cx="234000" cy="215444"/>
-          </a:xfrm>
-          <a:prstGeom prst="rect">
-            <a:avLst/>
-          </a:prstGeom>
-          <a:solidFill>
-            <a:schemeClr val="bg1"/>
-          </a:solidFill>
-          <a:ln w="3175">
-            <a:solidFill>
-              <a:schemeClr val="tx1"/>
-            </a:solidFill>
-          </a:ln>
-        </p:spPr>
-        <p:txBody>
-          <a:bodyPr wrap="square" rtlCol="0">
-            <a:spAutoFit/>
-          </a:bodyPr>
-          <a:lstStyle/>
-          <a:p>
-            <a:r>
-              <a:rPr lang="it-IT" sz="800" dirty="0"/>
-              <a:t>b</a:t>
-            </a:r>
-            <a:endParaRPr lang="en-GB" sz="800" dirty="0"/>
           </a:p>
         </p:txBody>
       </p:sp>
@@ -20795,7 +20709,7 @@
           <a:p>
             <a:r>
               <a:rPr lang="it-IT" sz="800" dirty="0"/>
-              <a:t>c</a:t>
+              <a:t>b</a:t>
             </a:r>
             <a:endParaRPr lang="en-GB" sz="800" dirty="0"/>
           </a:p>

--- a/Manuscript/Figures/05_RESULTS_VRTs.pptx
+++ b/Manuscript/Figures/05_RESULTS_VRTs.pptx
@@ -115,7 +115,7 @@
 <file path=ppt/revisionInfo.xml><?xml version="1.0" encoding="utf-8"?>
 <p1510:revInfo xmlns:a="http://schemas.openxmlformats.org/drawingml/2006/main" xmlns:r="http://schemas.openxmlformats.org/officeDocument/2006/relationships" xmlns:p1510="http://schemas.microsoft.com/office/powerpoint/2015/10/main">
   <p1510:revLst>
-    <p1510:client id="{2A9B2BDC-83AC-40F6-B019-2565973FE23A}" v="51" dt="2023-11-13T16:13:33.349"/>
+    <p1510:client id="{2A9B2BDC-83AC-40F6-B019-2565973FE23A}" v="55" dt="2023-11-19T23:43:44.389"/>
   </p1510:revLst>
 </p1510:revInfo>
 </file>
@@ -125,7 +125,7 @@
   <pc:docChgLst>
     <pc:chgData name="Fatima Pillosu" userId="a6295d4dc9e22643" providerId="LiveId" clId="{2A9B2BDC-83AC-40F6-B019-2565973FE23A}"/>
     <pc:docChg chg="undo redo custSel addSld delSld modSld">
-      <pc:chgData name="Fatima Pillosu" userId="a6295d4dc9e22643" providerId="LiveId" clId="{2A9B2BDC-83AC-40F6-B019-2565973FE23A}" dt="2023-11-17T17:22:43.823" v="3584" actId="208"/>
+      <pc:chgData name="Fatima Pillosu" userId="a6295d4dc9e22643" providerId="LiveId" clId="{2A9B2BDC-83AC-40F6-B019-2565973FE23A}" dt="2023-11-20T00:06:52.923" v="3887" actId="20577"/>
       <pc:docMkLst>
         <pc:docMk/>
       </pc:docMkLst>
@@ -2151,7 +2151,7 @@
         </pc:cxnChg>
       </pc:sldChg>
       <pc:sldChg chg="addSp delSp modSp new mod">
-        <pc:chgData name="Fatima Pillosu" userId="a6295d4dc9e22643" providerId="LiveId" clId="{2A9B2BDC-83AC-40F6-B019-2565973FE23A}" dt="2023-11-17T17:22:43.823" v="3584" actId="208"/>
+        <pc:chgData name="Fatima Pillosu" userId="a6295d4dc9e22643" providerId="LiveId" clId="{2A9B2BDC-83AC-40F6-B019-2565973FE23A}" dt="2023-11-20T00:06:52.923" v="3887" actId="20577"/>
         <pc:sldMkLst>
           <pc:docMk/>
           <pc:sldMk cId="2456034706" sldId="261"/>
@@ -2164,6 +2164,14 @@
             <ac:spMk id="2" creationId="{79E9231B-A2EA-505F-04CF-3A3B32252AD5}"/>
           </ac:spMkLst>
         </pc:spChg>
+        <pc:spChg chg="add mod">
+          <ac:chgData name="Fatima Pillosu" userId="a6295d4dc9e22643" providerId="LiveId" clId="{2A9B2BDC-83AC-40F6-B019-2565973FE23A}" dt="2023-11-19T23:33:41.849" v="3699" actId="207"/>
+          <ac:spMkLst>
+            <pc:docMk/>
+            <pc:sldMk cId="2456034706" sldId="261"/>
+            <ac:spMk id="2" creationId="{E4C97F7F-25FA-2A36-617E-355914436400}"/>
+          </ac:spMkLst>
+        </pc:spChg>
         <pc:spChg chg="del">
           <ac:chgData name="Fatima Pillosu" userId="a6295d4dc9e22643" providerId="LiveId" clId="{2A9B2BDC-83AC-40F6-B019-2565973FE23A}" dt="2023-11-13T11:32:47.911" v="1095" actId="478"/>
           <ac:spMkLst>
@@ -2172,6 +2180,14 @@
             <ac:spMk id="3" creationId="{CB24BB11-00E6-8B1A-26A3-7C81BE69DCDA}"/>
           </ac:spMkLst>
         </pc:spChg>
+        <pc:spChg chg="add mod">
+          <ac:chgData name="Fatima Pillosu" userId="a6295d4dc9e22643" providerId="LiveId" clId="{2A9B2BDC-83AC-40F6-B019-2565973FE23A}" dt="2023-11-19T23:33:41.849" v="3699" actId="207"/>
+          <ac:spMkLst>
+            <pc:docMk/>
+            <pc:sldMk cId="2456034706" sldId="261"/>
+            <ac:spMk id="3" creationId="{ED018442-B795-CD59-038A-700878F0D4D8}"/>
+          </ac:spMkLst>
+        </pc:spChg>
         <pc:spChg chg="add del mod">
           <ac:chgData name="Fatima Pillosu" userId="a6295d4dc9e22643" providerId="LiveId" clId="{2A9B2BDC-83AC-40F6-B019-2565973FE23A}" dt="2023-11-13T14:53:30.820" v="2104" actId="478"/>
           <ac:spMkLst>
@@ -2180,6 +2196,14 @@
             <ac:spMk id="6" creationId="{E41DD8FB-9741-04FA-0B57-5B40640D013D}"/>
           </ac:spMkLst>
         </pc:spChg>
+        <pc:spChg chg="add mod">
+          <ac:chgData name="Fatima Pillosu" userId="a6295d4dc9e22643" providerId="LiveId" clId="{2A9B2BDC-83AC-40F6-B019-2565973FE23A}" dt="2023-11-19T23:35:43.949" v="3746" actId="207"/>
+          <ac:spMkLst>
+            <pc:docMk/>
+            <pc:sldMk cId="2456034706" sldId="261"/>
+            <ac:spMk id="8" creationId="{8129DF11-6595-B631-A674-88AB06BDB6DE}"/>
+          </ac:spMkLst>
+        </pc:spChg>
         <pc:spChg chg="add del mod">
           <ac:chgData name="Fatima Pillosu" userId="a6295d4dc9e22643" providerId="LiveId" clId="{2A9B2BDC-83AC-40F6-B019-2565973FE23A}" dt="2023-11-13T16:13:21.985" v="3573" actId="21"/>
           <ac:spMkLst>
@@ -2188,6 +2212,22 @@
             <ac:spMk id="8" creationId="{F149ADAA-F745-88D6-4E50-6A512F1DC82F}"/>
           </ac:spMkLst>
         </pc:spChg>
+        <pc:spChg chg="add mod">
+          <ac:chgData name="Fatima Pillosu" userId="a6295d4dc9e22643" providerId="LiveId" clId="{2A9B2BDC-83AC-40F6-B019-2565973FE23A}" dt="2023-11-19T23:35:19.318" v="3743" actId="207"/>
+          <ac:spMkLst>
+            <pc:docMk/>
+            <pc:sldMk cId="2456034706" sldId="261"/>
+            <ac:spMk id="9" creationId="{F5DE2CAF-E146-F29A-8976-74F5FCBA328D}"/>
+          </ac:spMkLst>
+        </pc:spChg>
+        <pc:spChg chg="add mod">
+          <ac:chgData name="Fatima Pillosu" userId="a6295d4dc9e22643" providerId="LiveId" clId="{2A9B2BDC-83AC-40F6-B019-2565973FE23A}" dt="2023-11-19T23:43:44.389" v="3867" actId="571"/>
+          <ac:spMkLst>
+            <pc:docMk/>
+            <pc:sldMk cId="2456034706" sldId="261"/>
+            <ac:spMk id="17" creationId="{123D8F7D-6232-66AD-F424-E9B11C399C7D}"/>
+          </ac:spMkLst>
+        </pc:spChg>
         <pc:spChg chg="add del mod">
           <ac:chgData name="Fatima Pillosu" userId="a6295d4dc9e22643" providerId="LiveId" clId="{2A9B2BDC-83AC-40F6-B019-2565973FE23A}" dt="2023-11-13T13:17:35.264" v="1366" actId="478"/>
           <ac:spMkLst>
@@ -2901,7 +2941,7 @@
           </ac:spMkLst>
         </pc:spChg>
         <pc:spChg chg="add mod">
-          <ac:chgData name="Fatima Pillosu" userId="a6295d4dc9e22643" providerId="LiveId" clId="{2A9B2BDC-83AC-40F6-B019-2565973FE23A}" dt="2023-11-17T17:21:21.798" v="3579" actId="20577"/>
+          <ac:chgData name="Fatima Pillosu" userId="a6295d4dc9e22643" providerId="LiveId" clId="{2A9B2BDC-83AC-40F6-B019-2565973FE23A}" dt="2023-11-19T23:39:48.243" v="3835" actId="1038"/>
           <ac:spMkLst>
             <pc:docMk/>
             <pc:sldMk cId="2456034706" sldId="261"/>
@@ -2949,7 +2989,7 @@
           </ac:spMkLst>
         </pc:spChg>
         <pc:spChg chg="add mod">
-          <ac:chgData name="Fatima Pillosu" userId="a6295d4dc9e22643" providerId="LiveId" clId="{2A9B2BDC-83AC-40F6-B019-2565973FE23A}" dt="2023-11-13T16:13:33.347" v="3574"/>
+          <ac:chgData name="Fatima Pillosu" userId="a6295d4dc9e22643" providerId="LiveId" clId="{2A9B2BDC-83AC-40F6-B019-2565973FE23A}" dt="2023-11-19T23:39:38.015" v="3824" actId="1037"/>
           <ac:spMkLst>
             <pc:docMk/>
             <pc:sldMk cId="2456034706" sldId="261"/>
@@ -2989,7 +3029,7 @@
           </ac:spMkLst>
         </pc:spChg>
         <pc:spChg chg="add mod">
-          <ac:chgData name="Fatima Pillosu" userId="a6295d4dc9e22643" providerId="LiveId" clId="{2A9B2BDC-83AC-40F6-B019-2565973FE23A}" dt="2023-11-13T16:13:33.347" v="3574"/>
+          <ac:chgData name="Fatima Pillosu" userId="a6295d4dc9e22643" providerId="LiveId" clId="{2A9B2BDC-83AC-40F6-B019-2565973FE23A}" dt="2023-11-19T22:14:09.250" v="3611" actId="20577"/>
           <ac:spMkLst>
             <pc:docMk/>
             <pc:sldMk cId="2456034706" sldId="261"/>
@@ -3037,7 +3077,7 @@
           </ac:spMkLst>
         </pc:spChg>
         <pc:spChg chg="add mod">
-          <ac:chgData name="Fatima Pillosu" userId="a6295d4dc9e22643" providerId="LiveId" clId="{2A9B2BDC-83AC-40F6-B019-2565973FE23A}" dt="2023-11-13T16:13:33.347" v="3574"/>
+          <ac:chgData name="Fatima Pillosu" userId="a6295d4dc9e22643" providerId="LiveId" clId="{2A9B2BDC-83AC-40F6-B019-2565973FE23A}" dt="2023-11-19T23:36:08.630" v="3748" actId="207"/>
           <ac:spMkLst>
             <pc:docMk/>
             <pc:sldMk cId="2456034706" sldId="261"/>
@@ -3045,7 +3085,7 @@
           </ac:spMkLst>
         </pc:spChg>
         <pc:spChg chg="add mod">
-          <ac:chgData name="Fatima Pillosu" userId="a6295d4dc9e22643" providerId="LiveId" clId="{2A9B2BDC-83AC-40F6-B019-2565973FE23A}" dt="2023-11-13T16:13:33.347" v="3574"/>
+          <ac:chgData name="Fatima Pillosu" userId="a6295d4dc9e22643" providerId="LiveId" clId="{2A9B2BDC-83AC-40F6-B019-2565973FE23A}" dt="2023-11-19T23:36:21.413" v="3750" actId="207"/>
           <ac:spMkLst>
             <pc:docMk/>
             <pc:sldMk cId="2456034706" sldId="261"/>
@@ -3085,7 +3125,7 @@
           </ac:spMkLst>
         </pc:spChg>
         <pc:spChg chg="add mod">
-          <ac:chgData name="Fatima Pillosu" userId="a6295d4dc9e22643" providerId="LiveId" clId="{2A9B2BDC-83AC-40F6-B019-2565973FE23A}" dt="2023-11-13T16:13:33.347" v="3574"/>
+          <ac:chgData name="Fatima Pillosu" userId="a6295d4dc9e22643" providerId="LiveId" clId="{2A9B2BDC-83AC-40F6-B019-2565973FE23A}" dt="2023-11-19T23:39:22.874" v="3819" actId="1038"/>
           <ac:spMkLst>
             <pc:docMk/>
             <pc:sldMk cId="2456034706" sldId="261"/>
@@ -3093,7 +3133,7 @@
           </ac:spMkLst>
         </pc:spChg>
         <pc:spChg chg="add mod">
-          <ac:chgData name="Fatima Pillosu" userId="a6295d4dc9e22643" providerId="LiveId" clId="{2A9B2BDC-83AC-40F6-B019-2565973FE23A}" dt="2023-11-13T16:13:33.347" v="3574"/>
+          <ac:chgData name="Fatima Pillosu" userId="a6295d4dc9e22643" providerId="LiveId" clId="{2A9B2BDC-83AC-40F6-B019-2565973FE23A}" dt="2023-11-19T23:39:22.874" v="3819" actId="1038"/>
           <ac:spMkLst>
             <pc:docMk/>
             <pc:sldMk cId="2456034706" sldId="261"/>
@@ -3101,7 +3141,7 @@
           </ac:spMkLst>
         </pc:spChg>
         <pc:spChg chg="add mod">
-          <ac:chgData name="Fatima Pillosu" userId="a6295d4dc9e22643" providerId="LiveId" clId="{2A9B2BDC-83AC-40F6-B019-2565973FE23A}" dt="2023-11-13T16:13:33.347" v="3574"/>
+          <ac:chgData name="Fatima Pillosu" userId="a6295d4dc9e22643" providerId="LiveId" clId="{2A9B2BDC-83AC-40F6-B019-2565973FE23A}" dt="2023-11-19T23:39:16.589" v="3817" actId="1037"/>
           <ac:spMkLst>
             <pc:docMk/>
             <pc:sldMk cId="2456034706" sldId="261"/>
@@ -3109,7 +3149,7 @@
           </ac:spMkLst>
         </pc:spChg>
         <pc:spChg chg="add mod">
-          <ac:chgData name="Fatima Pillosu" userId="a6295d4dc9e22643" providerId="LiveId" clId="{2A9B2BDC-83AC-40F6-B019-2565973FE23A}" dt="2023-11-13T16:13:33.347" v="3574"/>
+          <ac:chgData name="Fatima Pillosu" userId="a6295d4dc9e22643" providerId="LiveId" clId="{2A9B2BDC-83AC-40F6-B019-2565973FE23A}" dt="2023-11-19T23:39:22.874" v="3819" actId="1038"/>
           <ac:spMkLst>
             <pc:docMk/>
             <pc:sldMk cId="2456034706" sldId="261"/>
@@ -3117,7 +3157,7 @@
           </ac:spMkLst>
         </pc:spChg>
         <pc:spChg chg="add mod">
-          <ac:chgData name="Fatima Pillosu" userId="a6295d4dc9e22643" providerId="LiveId" clId="{2A9B2BDC-83AC-40F6-B019-2565973FE23A}" dt="2023-11-13T16:13:33.347" v="3574"/>
+          <ac:chgData name="Fatima Pillosu" userId="a6295d4dc9e22643" providerId="LiveId" clId="{2A9B2BDC-83AC-40F6-B019-2565973FE23A}" dt="2023-11-19T23:39:22.874" v="3819" actId="1038"/>
           <ac:spMkLst>
             <pc:docMk/>
             <pc:sldMk cId="2456034706" sldId="261"/>
@@ -3125,7 +3165,7 @@
           </ac:spMkLst>
         </pc:spChg>
         <pc:spChg chg="add mod">
-          <ac:chgData name="Fatima Pillosu" userId="a6295d4dc9e22643" providerId="LiveId" clId="{2A9B2BDC-83AC-40F6-B019-2565973FE23A}" dt="2023-11-13T16:13:33.347" v="3574"/>
+          <ac:chgData name="Fatima Pillosu" userId="a6295d4dc9e22643" providerId="LiveId" clId="{2A9B2BDC-83AC-40F6-B019-2565973FE23A}" dt="2023-11-19T23:33:25.115" v="3697" actId="2085"/>
           <ac:spMkLst>
             <pc:docMk/>
             <pc:sldMk cId="2456034706" sldId="261"/>
@@ -3141,7 +3181,7 @@
           </ac:spMkLst>
         </pc:spChg>
         <pc:spChg chg="add mod">
-          <ac:chgData name="Fatima Pillosu" userId="a6295d4dc9e22643" providerId="LiveId" clId="{2A9B2BDC-83AC-40F6-B019-2565973FE23A}" dt="2023-11-13T16:13:33.347" v="3574"/>
+          <ac:chgData name="Fatima Pillosu" userId="a6295d4dc9e22643" providerId="LiveId" clId="{2A9B2BDC-83AC-40F6-B019-2565973FE23A}" dt="2023-11-19T23:36:36.582" v="3752" actId="207"/>
           <ac:spMkLst>
             <pc:docMk/>
             <pc:sldMk cId="2456034706" sldId="261"/>
@@ -3149,7 +3189,7 @@
           </ac:spMkLst>
         </pc:spChg>
         <pc:spChg chg="add mod">
-          <ac:chgData name="Fatima Pillosu" userId="a6295d4dc9e22643" providerId="LiveId" clId="{2A9B2BDC-83AC-40F6-B019-2565973FE23A}" dt="2023-11-13T16:13:33.347" v="3574"/>
+          <ac:chgData name="Fatima Pillosu" userId="a6295d4dc9e22643" providerId="LiveId" clId="{2A9B2BDC-83AC-40F6-B019-2565973FE23A}" dt="2023-11-19T23:36:32.839" v="3751" actId="207"/>
           <ac:spMkLst>
             <pc:docMk/>
             <pc:sldMk cId="2456034706" sldId="261"/>
@@ -3157,7 +3197,7 @@
           </ac:spMkLst>
         </pc:spChg>
         <pc:spChg chg="add mod">
-          <ac:chgData name="Fatima Pillosu" userId="a6295d4dc9e22643" providerId="LiveId" clId="{2A9B2BDC-83AC-40F6-B019-2565973FE23A}" dt="2023-11-13T16:13:33.347" v="3574"/>
+          <ac:chgData name="Fatima Pillosu" userId="a6295d4dc9e22643" providerId="LiveId" clId="{2A9B2BDC-83AC-40F6-B019-2565973FE23A}" dt="2023-11-20T00:06:52.923" v="3887" actId="20577"/>
           <ac:spMkLst>
             <pc:docMk/>
             <pc:sldMk cId="2456034706" sldId="261"/>
@@ -3181,7 +3221,7 @@
           </ac:spMkLst>
         </pc:spChg>
         <pc:spChg chg="add mod">
-          <ac:chgData name="Fatima Pillosu" userId="a6295d4dc9e22643" providerId="LiveId" clId="{2A9B2BDC-83AC-40F6-B019-2565973FE23A}" dt="2023-11-13T16:13:33.347" v="3574"/>
+          <ac:chgData name="Fatima Pillosu" userId="a6295d4dc9e22643" providerId="LiveId" clId="{2A9B2BDC-83AC-40F6-B019-2565973FE23A}" dt="2023-11-20T00:06:47.003" v="3880" actId="20577"/>
           <ac:spMkLst>
             <pc:docMk/>
             <pc:sldMk cId="2456034706" sldId="261"/>
@@ -3364,6 +3404,30 @@
             <ac:picMk id="125" creationId="{00137BDA-2E47-815C-4674-7E0CE99E96BE}"/>
           </ac:picMkLst>
         </pc:picChg>
+        <pc:cxnChg chg="add mod">
+          <ac:chgData name="Fatima Pillosu" userId="a6295d4dc9e22643" providerId="LiveId" clId="{2A9B2BDC-83AC-40F6-B019-2565973FE23A}" dt="2023-11-19T23:33:13.028" v="3696" actId="208"/>
+          <ac:cxnSpMkLst>
+            <pc:docMk/>
+            <pc:sldMk cId="2456034706" sldId="261"/>
+            <ac:cxnSpMk id="4" creationId="{1A25CF7D-1A61-AD99-3F52-4DA31D5E63C7}"/>
+          </ac:cxnSpMkLst>
+        </pc:cxnChg>
+        <pc:cxnChg chg="add mod">
+          <ac:chgData name="Fatima Pillosu" userId="a6295d4dc9e22643" providerId="LiveId" clId="{2A9B2BDC-83AC-40F6-B019-2565973FE23A}" dt="2023-11-19T23:33:13.028" v="3696" actId="208"/>
+          <ac:cxnSpMkLst>
+            <pc:docMk/>
+            <pc:sldMk cId="2456034706" sldId="261"/>
+            <ac:cxnSpMk id="5" creationId="{C88CA02D-F042-8626-E9A7-A1D15268168E}"/>
+          </ac:cxnSpMkLst>
+        </pc:cxnChg>
+        <pc:cxnChg chg="add mod">
+          <ac:chgData name="Fatima Pillosu" userId="a6295d4dc9e22643" providerId="LiveId" clId="{2A9B2BDC-83AC-40F6-B019-2565973FE23A}" dt="2023-11-19T23:35:30.189" v="3744" actId="208"/>
+          <ac:cxnSpMkLst>
+            <pc:docMk/>
+            <pc:sldMk cId="2456034706" sldId="261"/>
+            <ac:cxnSpMk id="10" creationId="{3FB8D575-5003-8FDE-7C56-C9C74B69C9FD}"/>
+          </ac:cxnSpMkLst>
+        </pc:cxnChg>
         <pc:cxnChg chg="add del mod">
           <ac:chgData name="Fatima Pillosu" userId="a6295d4dc9e22643" providerId="LiveId" clId="{2A9B2BDC-83AC-40F6-B019-2565973FE23A}" dt="2023-11-13T16:13:21.985" v="3573" actId="21"/>
           <ac:cxnSpMkLst>
@@ -3372,6 +3436,14 @@
             <ac:cxnSpMk id="10" creationId="{67081C27-74D8-8BF9-508D-19C310F28AD3}"/>
           </ac:cxnSpMkLst>
         </pc:cxnChg>
+        <pc:cxnChg chg="add mod">
+          <ac:chgData name="Fatima Pillosu" userId="a6295d4dc9e22643" providerId="LiveId" clId="{2A9B2BDC-83AC-40F6-B019-2565973FE23A}" dt="2023-11-19T23:35:30.189" v="3744" actId="208"/>
+          <ac:cxnSpMkLst>
+            <pc:docMk/>
+            <pc:sldMk cId="2456034706" sldId="261"/>
+            <ac:cxnSpMk id="11" creationId="{794F29BA-E0E5-71DF-7C2A-8551D3CF29DC}"/>
+          </ac:cxnSpMkLst>
+        </pc:cxnChg>
         <pc:cxnChg chg="add del mod">
           <ac:chgData name="Fatima Pillosu" userId="a6295d4dc9e22643" providerId="LiveId" clId="{2A9B2BDC-83AC-40F6-B019-2565973FE23A}" dt="2023-11-13T16:13:21.985" v="3573" actId="21"/>
           <ac:cxnSpMkLst>
@@ -3404,6 +3476,22 @@
             <ac:cxnSpMk id="16" creationId="{13CAD483-D274-6AEA-CFB0-3A5997BD948B}"/>
           </ac:cxnSpMkLst>
         </pc:cxnChg>
+        <pc:cxnChg chg="add mod">
+          <ac:chgData name="Fatima Pillosu" userId="a6295d4dc9e22643" providerId="LiveId" clId="{2A9B2BDC-83AC-40F6-B019-2565973FE23A}" dt="2023-11-19T23:43:44.389" v="3867" actId="571"/>
+          <ac:cxnSpMkLst>
+            <pc:docMk/>
+            <pc:sldMk cId="2456034706" sldId="261"/>
+            <ac:cxnSpMk id="18" creationId="{4C277E13-B0EE-2919-B784-63B6FCE4FE88}"/>
+          </ac:cxnSpMkLst>
+        </pc:cxnChg>
+        <pc:cxnChg chg="add mod">
+          <ac:chgData name="Fatima Pillosu" userId="a6295d4dc9e22643" providerId="LiveId" clId="{2A9B2BDC-83AC-40F6-B019-2565973FE23A}" dt="2023-11-19T23:43:44.389" v="3867" actId="571"/>
+          <ac:cxnSpMkLst>
+            <pc:docMk/>
+            <pc:sldMk cId="2456034706" sldId="261"/>
+            <ac:cxnSpMk id="19" creationId="{28184EC2-BA35-DEA9-C8DC-38243953BC7B}"/>
+          </ac:cxnSpMkLst>
+        </pc:cxnChg>
         <pc:cxnChg chg="add del mod">
           <ac:chgData name="Fatima Pillosu" userId="a6295d4dc9e22643" providerId="LiveId" clId="{2A9B2BDC-83AC-40F6-B019-2565973FE23A}" dt="2023-11-13T14:47:01.863" v="2013" actId="478"/>
           <ac:cxnSpMkLst>
@@ -3780,12 +3868,60 @@
             <ac:cxnSpMk id="154" creationId="{11DDBACF-0B82-F22A-EAB0-5B3318D0A4EE}"/>
           </ac:cxnSpMkLst>
         </pc:cxnChg>
+        <pc:cxnChg chg="add mod ord">
+          <ac:chgData name="Fatima Pillosu" userId="a6295d4dc9e22643" providerId="LiveId" clId="{2A9B2BDC-83AC-40F6-B019-2565973FE23A}" dt="2023-11-19T23:43:32.476" v="3865" actId="166"/>
+          <ac:cxnSpMkLst>
+            <pc:docMk/>
+            <pc:sldMk cId="2456034706" sldId="261"/>
+            <ac:cxnSpMk id="165" creationId="{9A07D063-6386-E170-8D12-554F09DD150D}"/>
+          </ac:cxnSpMkLst>
+        </pc:cxnChg>
+        <pc:cxnChg chg="add mod ord">
+          <ac:chgData name="Fatima Pillosu" userId="a6295d4dc9e22643" providerId="LiveId" clId="{2A9B2BDC-83AC-40F6-B019-2565973FE23A}" dt="2023-11-19T23:44:08.109" v="3869" actId="692"/>
+          <ac:cxnSpMkLst>
+            <pc:docMk/>
+            <pc:sldMk cId="2456034706" sldId="261"/>
+            <ac:cxnSpMk id="166" creationId="{7A07C078-3E04-FE56-6D55-E33C2FA74F5A}"/>
+          </ac:cxnSpMkLst>
+        </pc:cxnChg>
+        <pc:cxnChg chg="add mod ord">
+          <ac:chgData name="Fatima Pillosu" userId="a6295d4dc9e22643" providerId="LiveId" clId="{2A9B2BDC-83AC-40F6-B019-2565973FE23A}" dt="2023-11-19T23:43:32.476" v="3865" actId="166"/>
+          <ac:cxnSpMkLst>
+            <pc:docMk/>
+            <pc:sldMk cId="2456034706" sldId="261"/>
+            <ac:cxnSpMk id="167" creationId="{6C5CB558-50B8-6170-9D49-72B8A8C90678}"/>
+          </ac:cxnSpMkLst>
+        </pc:cxnChg>
+        <pc:cxnChg chg="add mod ord">
+          <ac:chgData name="Fatima Pillosu" userId="a6295d4dc9e22643" providerId="LiveId" clId="{2A9B2BDC-83AC-40F6-B019-2565973FE23A}" dt="2023-11-19T23:44:08.109" v="3869" actId="692"/>
+          <ac:cxnSpMkLst>
+            <pc:docMk/>
+            <pc:sldMk cId="2456034706" sldId="261"/>
+            <ac:cxnSpMk id="168" creationId="{1995F4C4-EA5A-56FE-21FC-E2B537A64289}"/>
+          </ac:cxnSpMkLst>
+        </pc:cxnChg>
         <pc:cxnChg chg="add mod">
           <ac:chgData name="Fatima Pillosu" userId="a6295d4dc9e22643" providerId="LiveId" clId="{2A9B2BDC-83AC-40F6-B019-2565973FE23A}" dt="2023-11-13T16:13:33.347" v="3574"/>
           <ac:cxnSpMkLst>
             <pc:docMk/>
             <pc:sldMk cId="2456034706" sldId="261"/>
-            <ac:cxnSpMk id="165" creationId="{9A07D063-6386-E170-8D12-554F09DD150D}"/>
+            <ac:cxnSpMk id="169" creationId="{00312C2C-41E1-CEA7-CE4B-B15EADB3A69A}"/>
+          </ac:cxnSpMkLst>
+        </pc:cxnChg>
+        <pc:cxnChg chg="add mod">
+          <ac:chgData name="Fatima Pillosu" userId="a6295d4dc9e22643" providerId="LiveId" clId="{2A9B2BDC-83AC-40F6-B019-2565973FE23A}" dt="2023-11-19T23:42:18.573" v="3862" actId="208"/>
+          <ac:cxnSpMkLst>
+            <pc:docMk/>
+            <pc:sldMk cId="2456034706" sldId="261"/>
+            <ac:cxnSpMk id="175" creationId="{79814AEC-8BA7-E4B8-2765-45E23A6FCAAB}"/>
+          </ac:cxnSpMkLst>
+        </pc:cxnChg>
+        <pc:cxnChg chg="add mod ord">
+          <ac:chgData name="Fatima Pillosu" userId="a6295d4dc9e22643" providerId="LiveId" clId="{2A9B2BDC-83AC-40F6-B019-2565973FE23A}" dt="2023-11-19T23:44:08.109" v="3869" actId="692"/>
+          <ac:cxnSpMkLst>
+            <pc:docMk/>
+            <pc:sldMk cId="2456034706" sldId="261"/>
+            <ac:cxnSpMk id="176" creationId="{7723319C-F51D-DB8F-7284-A75FDD8846CC}"/>
           </ac:cxnSpMkLst>
         </pc:cxnChg>
         <pc:cxnChg chg="add mod">
@@ -3793,7 +3929,55 @@
           <ac:cxnSpMkLst>
             <pc:docMk/>
             <pc:sldMk cId="2456034706" sldId="261"/>
-            <ac:cxnSpMk id="166" creationId="{7A07C078-3E04-FE56-6D55-E33C2FA74F5A}"/>
+            <ac:cxnSpMk id="180" creationId="{E7F2A673-2CC3-65EE-C8B4-F8ACD4A4AB43}"/>
+          </ac:cxnSpMkLst>
+        </pc:cxnChg>
+        <pc:cxnChg chg="add mod ord">
+          <ac:chgData name="Fatima Pillosu" userId="a6295d4dc9e22643" providerId="LiveId" clId="{2A9B2BDC-83AC-40F6-B019-2565973FE23A}" dt="2023-11-19T23:44:18.565" v="3870" actId="166"/>
+          <ac:cxnSpMkLst>
+            <pc:docMk/>
+            <pc:sldMk cId="2456034706" sldId="261"/>
+            <ac:cxnSpMk id="189" creationId="{2017D58B-F34C-F0DC-DF50-CDFC86279FCB}"/>
+          </ac:cxnSpMkLst>
+        </pc:cxnChg>
+        <pc:cxnChg chg="add mod ord">
+          <ac:chgData name="Fatima Pillosu" userId="a6295d4dc9e22643" providerId="LiveId" clId="{2A9B2BDC-83AC-40F6-B019-2565973FE23A}" dt="2023-11-19T23:44:40.800" v="3872" actId="692"/>
+          <ac:cxnSpMkLst>
+            <pc:docMk/>
+            <pc:sldMk cId="2456034706" sldId="261"/>
+            <ac:cxnSpMk id="190" creationId="{1A4D0887-F29F-14A3-F8BE-DB797BFD5760}"/>
+          </ac:cxnSpMkLst>
+        </pc:cxnChg>
+        <pc:cxnChg chg="add mod ord">
+          <ac:chgData name="Fatima Pillosu" userId="a6295d4dc9e22643" providerId="LiveId" clId="{2A9B2BDC-83AC-40F6-B019-2565973FE23A}" dt="2023-11-19T23:44:18.565" v="3870" actId="166"/>
+          <ac:cxnSpMkLst>
+            <pc:docMk/>
+            <pc:sldMk cId="2456034706" sldId="261"/>
+            <ac:cxnSpMk id="191" creationId="{04B7649E-9DB6-C72C-5955-3BD0FD3C417B}"/>
+          </ac:cxnSpMkLst>
+        </pc:cxnChg>
+        <pc:cxnChg chg="add mod ord">
+          <ac:chgData name="Fatima Pillosu" userId="a6295d4dc9e22643" providerId="LiveId" clId="{2A9B2BDC-83AC-40F6-B019-2565973FE23A}" dt="2023-11-19T23:44:40.800" v="3872" actId="692"/>
+          <ac:cxnSpMkLst>
+            <pc:docMk/>
+            <pc:sldMk cId="2456034706" sldId="261"/>
+            <ac:cxnSpMk id="192" creationId="{ABBF2211-E287-D8B3-7C92-8BAFEFFDD89C}"/>
+          </ac:cxnSpMkLst>
+        </pc:cxnChg>
+        <pc:cxnChg chg="add mod ord">
+          <ac:chgData name="Fatima Pillosu" userId="a6295d4dc9e22643" providerId="LiveId" clId="{2A9B2BDC-83AC-40F6-B019-2565973FE23A}" dt="2023-11-19T23:44:18.565" v="3870" actId="166"/>
+          <ac:cxnSpMkLst>
+            <pc:docMk/>
+            <pc:sldMk cId="2456034706" sldId="261"/>
+            <ac:cxnSpMk id="193" creationId="{42FB168A-8424-4AB7-B118-991422BBFD8C}"/>
+          </ac:cxnSpMkLst>
+        </pc:cxnChg>
+        <pc:cxnChg chg="add mod ord">
+          <ac:chgData name="Fatima Pillosu" userId="a6295d4dc9e22643" providerId="LiveId" clId="{2A9B2BDC-83AC-40F6-B019-2565973FE23A}" dt="2023-11-19T23:44:40.800" v="3872" actId="692"/>
+          <ac:cxnSpMkLst>
+            <pc:docMk/>
+            <pc:sldMk cId="2456034706" sldId="261"/>
+            <ac:cxnSpMk id="194" creationId="{9175DA74-8A2D-85B6-0515-FC66DCD0A667}"/>
           </ac:cxnSpMkLst>
         </pc:cxnChg>
         <pc:cxnChg chg="add mod">
@@ -3801,7 +3985,7 @@
           <ac:cxnSpMkLst>
             <pc:docMk/>
             <pc:sldMk cId="2456034706" sldId="261"/>
-            <ac:cxnSpMk id="167" creationId="{6C5CB558-50B8-6170-9D49-72B8A8C90678}"/>
+            <ac:cxnSpMk id="203" creationId="{66A496D4-D173-0E22-DD7F-F268643F5E07}"/>
           </ac:cxnSpMkLst>
         </pc:cxnChg>
         <pc:cxnChg chg="add mod">
@@ -3809,107 +3993,11 @@
           <ac:cxnSpMkLst>
             <pc:docMk/>
             <pc:sldMk cId="2456034706" sldId="261"/>
-            <ac:cxnSpMk id="168" creationId="{1995F4C4-EA5A-56FE-21FC-E2B537A64289}"/>
+            <ac:cxnSpMk id="204" creationId="{20E2CD31-5C41-B44C-B60C-183173679A99}"/>
           </ac:cxnSpMkLst>
         </pc:cxnChg>
         <pc:cxnChg chg="add mod">
-          <ac:chgData name="Fatima Pillosu" userId="a6295d4dc9e22643" providerId="LiveId" clId="{2A9B2BDC-83AC-40F6-B019-2565973FE23A}" dt="2023-11-13T16:13:33.347" v="3574"/>
-          <ac:cxnSpMkLst>
-            <pc:docMk/>
-            <pc:sldMk cId="2456034706" sldId="261"/>
-            <ac:cxnSpMk id="169" creationId="{00312C2C-41E1-CEA7-CE4B-B15EADB3A69A}"/>
-          </ac:cxnSpMkLst>
-        </pc:cxnChg>
-        <pc:cxnChg chg="add mod">
-          <ac:chgData name="Fatima Pillosu" userId="a6295d4dc9e22643" providerId="LiveId" clId="{2A9B2BDC-83AC-40F6-B019-2565973FE23A}" dt="2023-11-13T16:13:33.347" v="3574"/>
-          <ac:cxnSpMkLst>
-            <pc:docMk/>
-            <pc:sldMk cId="2456034706" sldId="261"/>
-            <ac:cxnSpMk id="175" creationId="{79814AEC-8BA7-E4B8-2765-45E23A6FCAAB}"/>
-          </ac:cxnSpMkLst>
-        </pc:cxnChg>
-        <pc:cxnChg chg="add mod">
-          <ac:chgData name="Fatima Pillosu" userId="a6295d4dc9e22643" providerId="LiveId" clId="{2A9B2BDC-83AC-40F6-B019-2565973FE23A}" dt="2023-11-13T16:13:33.347" v="3574"/>
-          <ac:cxnSpMkLst>
-            <pc:docMk/>
-            <pc:sldMk cId="2456034706" sldId="261"/>
-            <ac:cxnSpMk id="176" creationId="{7723319C-F51D-DB8F-7284-A75FDD8846CC}"/>
-          </ac:cxnSpMkLst>
-        </pc:cxnChg>
-        <pc:cxnChg chg="add mod">
-          <ac:chgData name="Fatima Pillosu" userId="a6295d4dc9e22643" providerId="LiveId" clId="{2A9B2BDC-83AC-40F6-B019-2565973FE23A}" dt="2023-11-13T16:13:33.347" v="3574"/>
-          <ac:cxnSpMkLst>
-            <pc:docMk/>
-            <pc:sldMk cId="2456034706" sldId="261"/>
-            <ac:cxnSpMk id="180" creationId="{E7F2A673-2CC3-65EE-C8B4-F8ACD4A4AB43}"/>
-          </ac:cxnSpMkLst>
-        </pc:cxnChg>
-        <pc:cxnChg chg="add mod">
-          <ac:chgData name="Fatima Pillosu" userId="a6295d4dc9e22643" providerId="LiveId" clId="{2A9B2BDC-83AC-40F6-B019-2565973FE23A}" dt="2023-11-13T16:13:33.347" v="3574"/>
-          <ac:cxnSpMkLst>
-            <pc:docMk/>
-            <pc:sldMk cId="2456034706" sldId="261"/>
-            <ac:cxnSpMk id="189" creationId="{2017D58B-F34C-F0DC-DF50-CDFC86279FCB}"/>
-          </ac:cxnSpMkLst>
-        </pc:cxnChg>
-        <pc:cxnChg chg="add mod">
-          <ac:chgData name="Fatima Pillosu" userId="a6295d4dc9e22643" providerId="LiveId" clId="{2A9B2BDC-83AC-40F6-B019-2565973FE23A}" dt="2023-11-13T16:13:33.347" v="3574"/>
-          <ac:cxnSpMkLst>
-            <pc:docMk/>
-            <pc:sldMk cId="2456034706" sldId="261"/>
-            <ac:cxnSpMk id="190" creationId="{1A4D0887-F29F-14A3-F8BE-DB797BFD5760}"/>
-          </ac:cxnSpMkLst>
-        </pc:cxnChg>
-        <pc:cxnChg chg="add mod">
-          <ac:chgData name="Fatima Pillosu" userId="a6295d4dc9e22643" providerId="LiveId" clId="{2A9B2BDC-83AC-40F6-B019-2565973FE23A}" dt="2023-11-13T16:13:33.347" v="3574"/>
-          <ac:cxnSpMkLst>
-            <pc:docMk/>
-            <pc:sldMk cId="2456034706" sldId="261"/>
-            <ac:cxnSpMk id="191" creationId="{04B7649E-9DB6-C72C-5955-3BD0FD3C417B}"/>
-          </ac:cxnSpMkLst>
-        </pc:cxnChg>
-        <pc:cxnChg chg="add mod">
-          <ac:chgData name="Fatima Pillosu" userId="a6295d4dc9e22643" providerId="LiveId" clId="{2A9B2BDC-83AC-40F6-B019-2565973FE23A}" dt="2023-11-13T16:13:33.347" v="3574"/>
-          <ac:cxnSpMkLst>
-            <pc:docMk/>
-            <pc:sldMk cId="2456034706" sldId="261"/>
-            <ac:cxnSpMk id="192" creationId="{ABBF2211-E287-D8B3-7C92-8BAFEFFDD89C}"/>
-          </ac:cxnSpMkLst>
-        </pc:cxnChg>
-        <pc:cxnChg chg="add mod">
-          <ac:chgData name="Fatima Pillosu" userId="a6295d4dc9e22643" providerId="LiveId" clId="{2A9B2BDC-83AC-40F6-B019-2565973FE23A}" dt="2023-11-13T16:13:33.347" v="3574"/>
-          <ac:cxnSpMkLst>
-            <pc:docMk/>
-            <pc:sldMk cId="2456034706" sldId="261"/>
-            <ac:cxnSpMk id="193" creationId="{42FB168A-8424-4AB7-B118-991422BBFD8C}"/>
-          </ac:cxnSpMkLst>
-        </pc:cxnChg>
-        <pc:cxnChg chg="add mod">
-          <ac:chgData name="Fatima Pillosu" userId="a6295d4dc9e22643" providerId="LiveId" clId="{2A9B2BDC-83AC-40F6-B019-2565973FE23A}" dt="2023-11-13T16:13:33.347" v="3574"/>
-          <ac:cxnSpMkLst>
-            <pc:docMk/>
-            <pc:sldMk cId="2456034706" sldId="261"/>
-            <ac:cxnSpMk id="194" creationId="{9175DA74-8A2D-85B6-0515-FC66DCD0A667}"/>
-          </ac:cxnSpMkLst>
-        </pc:cxnChg>
-        <pc:cxnChg chg="add mod">
-          <ac:chgData name="Fatima Pillosu" userId="a6295d4dc9e22643" providerId="LiveId" clId="{2A9B2BDC-83AC-40F6-B019-2565973FE23A}" dt="2023-11-13T16:13:33.347" v="3574"/>
-          <ac:cxnSpMkLst>
-            <pc:docMk/>
-            <pc:sldMk cId="2456034706" sldId="261"/>
-            <ac:cxnSpMk id="203" creationId="{66A496D4-D173-0E22-DD7F-F268643F5E07}"/>
-          </ac:cxnSpMkLst>
-        </pc:cxnChg>
-        <pc:cxnChg chg="add mod">
-          <ac:chgData name="Fatima Pillosu" userId="a6295d4dc9e22643" providerId="LiveId" clId="{2A9B2BDC-83AC-40F6-B019-2565973FE23A}" dt="2023-11-13T16:13:33.347" v="3574"/>
-          <ac:cxnSpMkLst>
-            <pc:docMk/>
-            <pc:sldMk cId="2456034706" sldId="261"/>
-            <ac:cxnSpMk id="204" creationId="{20E2CD31-5C41-B44C-B60C-183173679A99}"/>
-          </ac:cxnSpMkLst>
-        </pc:cxnChg>
-        <pc:cxnChg chg="add mod">
-          <ac:chgData name="Fatima Pillosu" userId="a6295d4dc9e22643" providerId="LiveId" clId="{2A9B2BDC-83AC-40F6-B019-2565973FE23A}" dt="2023-11-13T16:13:33.347" v="3574"/>
+          <ac:chgData name="Fatima Pillosu" userId="a6295d4dc9e22643" providerId="LiveId" clId="{2A9B2BDC-83AC-40F6-B019-2565973FE23A}" dt="2023-11-19T23:48:29.981" v="3873" actId="208"/>
           <ac:cxnSpMkLst>
             <pc:docMk/>
             <pc:sldMk cId="2456034706" sldId="261"/>
@@ -3917,7 +4005,7 @@
           </ac:cxnSpMkLst>
         </pc:cxnChg>
         <pc:cxnChg chg="add mod">
-          <ac:chgData name="Fatima Pillosu" userId="a6295d4dc9e22643" providerId="LiveId" clId="{2A9B2BDC-83AC-40F6-B019-2565973FE23A}" dt="2023-11-13T16:13:33.347" v="3574"/>
+          <ac:chgData name="Fatima Pillosu" userId="a6295d4dc9e22643" providerId="LiveId" clId="{2A9B2BDC-83AC-40F6-B019-2565973FE23A}" dt="2023-11-19T23:48:29.981" v="3873" actId="208"/>
           <ac:cxnSpMkLst>
             <pc:docMk/>
             <pc:sldMk cId="2456034706" sldId="261"/>
@@ -16086,7 +16174,7 @@
           <a:p>
             <a:fld id="{B80D15F6-78EE-4630-AC5E-09BE10AE3EAA}" type="datetimeFigureOut">
               <a:rPr lang="en-GB" smtClean="0"/>
-              <a:t>17/11/2023</a:t>
+              <a:t>20/11/2023</a:t>
             </a:fld>
             <a:endParaRPr lang="en-GB"/>
           </a:p>
@@ -16256,7 +16344,7 @@
           <a:p>
             <a:fld id="{B80D15F6-78EE-4630-AC5E-09BE10AE3EAA}" type="datetimeFigureOut">
               <a:rPr lang="en-GB" smtClean="0"/>
-              <a:t>17/11/2023</a:t>
+              <a:t>20/11/2023</a:t>
             </a:fld>
             <a:endParaRPr lang="en-GB"/>
           </a:p>
@@ -16436,7 +16524,7 @@
           <a:p>
             <a:fld id="{B80D15F6-78EE-4630-AC5E-09BE10AE3EAA}" type="datetimeFigureOut">
               <a:rPr lang="en-GB" smtClean="0"/>
-              <a:t>17/11/2023</a:t>
+              <a:t>20/11/2023</a:t>
             </a:fld>
             <a:endParaRPr lang="en-GB"/>
           </a:p>
@@ -16606,7 +16694,7 @@
           <a:p>
             <a:fld id="{B80D15F6-78EE-4630-AC5E-09BE10AE3EAA}" type="datetimeFigureOut">
               <a:rPr lang="en-GB" smtClean="0"/>
-              <a:t>17/11/2023</a:t>
+              <a:t>20/11/2023</a:t>
             </a:fld>
             <a:endParaRPr lang="en-GB"/>
           </a:p>
@@ -16850,7 +16938,7 @@
           <a:p>
             <a:fld id="{B80D15F6-78EE-4630-AC5E-09BE10AE3EAA}" type="datetimeFigureOut">
               <a:rPr lang="en-GB" smtClean="0"/>
-              <a:t>17/11/2023</a:t>
+              <a:t>20/11/2023</a:t>
             </a:fld>
             <a:endParaRPr lang="en-GB"/>
           </a:p>
@@ -17082,7 +17170,7 @@
           <a:p>
             <a:fld id="{B80D15F6-78EE-4630-AC5E-09BE10AE3EAA}" type="datetimeFigureOut">
               <a:rPr lang="en-GB" smtClean="0"/>
-              <a:t>17/11/2023</a:t>
+              <a:t>20/11/2023</a:t>
             </a:fld>
             <a:endParaRPr lang="en-GB"/>
           </a:p>
@@ -17449,7 +17537,7 @@
           <a:p>
             <a:fld id="{B80D15F6-78EE-4630-AC5E-09BE10AE3EAA}" type="datetimeFigureOut">
               <a:rPr lang="en-GB" smtClean="0"/>
-              <a:t>17/11/2023</a:t>
+              <a:t>20/11/2023</a:t>
             </a:fld>
             <a:endParaRPr lang="en-GB"/>
           </a:p>
@@ -17567,7 +17655,7 @@
           <a:p>
             <a:fld id="{B80D15F6-78EE-4630-AC5E-09BE10AE3EAA}" type="datetimeFigureOut">
               <a:rPr lang="en-GB" smtClean="0"/>
-              <a:t>17/11/2023</a:t>
+              <a:t>20/11/2023</a:t>
             </a:fld>
             <a:endParaRPr lang="en-GB"/>
           </a:p>
@@ -17662,7 +17750,7 @@
           <a:p>
             <a:fld id="{B80D15F6-78EE-4630-AC5E-09BE10AE3EAA}" type="datetimeFigureOut">
               <a:rPr lang="en-GB" smtClean="0"/>
-              <a:t>17/11/2023</a:t>
+              <a:t>20/11/2023</a:t>
             </a:fld>
             <a:endParaRPr lang="en-GB"/>
           </a:p>
@@ -17939,7 +18027,7 @@
           <a:p>
             <a:fld id="{B80D15F6-78EE-4630-AC5E-09BE10AE3EAA}" type="datetimeFigureOut">
               <a:rPr lang="en-GB" smtClean="0"/>
-              <a:t>17/11/2023</a:t>
+              <a:t>20/11/2023</a:t>
             </a:fld>
             <a:endParaRPr lang="en-GB"/>
           </a:p>
@@ -18196,7 +18284,7 @@
           <a:p>
             <a:fld id="{B80D15F6-78EE-4630-AC5E-09BE10AE3EAA}" type="datetimeFigureOut">
               <a:rPr lang="en-GB" smtClean="0"/>
-              <a:t>17/11/2023</a:t>
+              <a:t>20/11/2023</a:t>
             </a:fld>
             <a:endParaRPr lang="en-GB"/>
           </a:p>
@@ -18409,7 +18497,7 @@
           <a:p>
             <a:fld id="{B80D15F6-78EE-4630-AC5E-09BE10AE3EAA}" type="datetimeFigureOut">
               <a:rPr lang="en-GB" smtClean="0"/>
-              <a:t>17/11/2023</a:t>
+              <a:t>20/11/2023</a:t>
             </a:fld>
             <a:endParaRPr lang="en-GB"/>
           </a:p>
@@ -20313,7 +20401,7 @@
         </p:nvSpPr>
         <p:spPr>
           <a:xfrm>
-            <a:off x="507001" y="4397131"/>
+            <a:off x="460111" y="4389316"/>
             <a:ext cx="234000" cy="215444"/>
           </a:xfrm>
           <a:prstGeom prst="rect">
@@ -20643,7 +20731,7 @@
         </p:nvSpPr>
         <p:spPr>
           <a:xfrm>
-            <a:off x="507001" y="1589728"/>
+            <a:off x="467926" y="1589728"/>
             <a:ext cx="234000" cy="215444"/>
           </a:xfrm>
           <a:prstGeom prst="rect">
@@ -20928,7 +21016,18 @@
                   </a:schemeClr>
                 </a:solidFill>
               </a:rPr>
-              <a:t>O</a:t>
+              <a:t>R</a:t>
+            </a:r>
+            <a:r>
+              <a:rPr lang="en-GB" sz="1000" b="1" dirty="0" err="1">
+                <a:solidFill>
+                  <a:schemeClr val="tx1">
+                    <a:lumMod val="75000"/>
+                    <a:lumOff val="25000"/>
+                  </a:schemeClr>
+                </a:solidFill>
+              </a:rPr>
+              <a:t>ainfall</a:t>
             </a:r>
             <a:r>
               <a:rPr lang="en-GB" sz="1000" b="1" dirty="0">
@@ -20939,7 +21038,7 @@
                   </a:schemeClr>
                 </a:solidFill>
               </a:rPr>
-              <a:t>bservational rainfall climatology</a:t>
+              <a:t> climatology from SYNOP</a:t>
             </a:r>
           </a:p>
           <a:p>
@@ -20958,182 +21057,6 @@
           </a:p>
         </p:txBody>
       </p:sp>
-      <p:cxnSp>
-        <p:nvCxnSpPr>
-          <p:cNvPr id="165" name="Connettore 2 164">
-            <a:extLst>
-              <a:ext uri="{FF2B5EF4-FFF2-40B4-BE49-F238E27FC236}">
-                <a16:creationId xmlns:a16="http://schemas.microsoft.com/office/drawing/2014/main" id="{9A07D063-6386-E170-8D12-554F09DD150D}"/>
-              </a:ext>
-            </a:extLst>
-          </p:cNvPr>
-          <p:cNvCxnSpPr>
-            <a:cxnSpLocks/>
-          </p:cNvCxnSpPr>
-          <p:nvPr/>
-        </p:nvCxnSpPr>
-        <p:spPr>
-          <a:xfrm>
-            <a:off x="463580" y="2046870"/>
-            <a:ext cx="742753" cy="0"/>
-          </a:xfrm>
-          <a:prstGeom prst="straightConnector1">
-            <a:avLst/>
-          </a:prstGeom>
-          <a:ln>
-            <a:solidFill>
-              <a:srgbClr val="FF0000"/>
-            </a:solidFill>
-            <a:tailEnd type="triangle" w="sm" len="sm"/>
-          </a:ln>
-        </p:spPr>
-        <p:style>
-          <a:lnRef idx="1">
-            <a:schemeClr val="accent1"/>
-          </a:lnRef>
-          <a:fillRef idx="0">
-            <a:schemeClr val="accent1"/>
-          </a:fillRef>
-          <a:effectRef idx="0">
-            <a:schemeClr val="accent1"/>
-          </a:effectRef>
-          <a:fontRef idx="minor">
-            <a:schemeClr val="tx1"/>
-          </a:fontRef>
-        </p:style>
-      </p:cxnSp>
-      <p:cxnSp>
-        <p:nvCxnSpPr>
-          <p:cNvPr id="166" name="Connettore 2 165">
-            <a:extLst>
-              <a:ext uri="{FF2B5EF4-FFF2-40B4-BE49-F238E27FC236}">
-                <a16:creationId xmlns:a16="http://schemas.microsoft.com/office/drawing/2014/main" id="{7A07C078-3E04-FE56-6D55-E33C2FA74F5A}"/>
-              </a:ext>
-            </a:extLst>
-          </p:cNvPr>
-          <p:cNvCxnSpPr>
-            <a:cxnSpLocks/>
-          </p:cNvCxnSpPr>
-          <p:nvPr/>
-        </p:nvCxnSpPr>
-        <p:spPr>
-          <a:xfrm>
-            <a:off x="1216212" y="2057086"/>
-            <a:ext cx="0" cy="1809958"/>
-          </a:xfrm>
-          <a:prstGeom prst="straightConnector1">
-            <a:avLst/>
-          </a:prstGeom>
-          <a:ln>
-            <a:solidFill>
-              <a:srgbClr val="FF0000"/>
-            </a:solidFill>
-            <a:tailEnd type="triangle"/>
-          </a:ln>
-        </p:spPr>
-        <p:style>
-          <a:lnRef idx="1">
-            <a:schemeClr val="accent1"/>
-          </a:lnRef>
-          <a:fillRef idx="0">
-            <a:schemeClr val="accent1"/>
-          </a:fillRef>
-          <a:effectRef idx="0">
-            <a:schemeClr val="accent1"/>
-          </a:effectRef>
-          <a:fontRef idx="minor">
-            <a:schemeClr val="tx1"/>
-          </a:fontRef>
-        </p:style>
-      </p:cxnSp>
-      <p:cxnSp>
-        <p:nvCxnSpPr>
-          <p:cNvPr id="167" name="Connettore 2 166">
-            <a:extLst>
-              <a:ext uri="{FF2B5EF4-FFF2-40B4-BE49-F238E27FC236}">
-                <a16:creationId xmlns:a16="http://schemas.microsoft.com/office/drawing/2014/main" id="{6C5CB558-50B8-6170-9D49-72B8A8C90678}"/>
-              </a:ext>
-            </a:extLst>
-          </p:cNvPr>
-          <p:cNvCxnSpPr>
-            <a:cxnSpLocks/>
-          </p:cNvCxnSpPr>
-          <p:nvPr/>
-        </p:nvCxnSpPr>
-        <p:spPr>
-          <a:xfrm>
-            <a:off x="463580" y="1957740"/>
-            <a:ext cx="1783771" cy="0"/>
-          </a:xfrm>
-          <a:prstGeom prst="straightConnector1">
-            <a:avLst/>
-          </a:prstGeom>
-          <a:ln>
-            <a:solidFill>
-              <a:srgbClr val="FF0000"/>
-            </a:solidFill>
-            <a:tailEnd type="triangle" w="sm" len="sm"/>
-          </a:ln>
-        </p:spPr>
-        <p:style>
-          <a:lnRef idx="1">
-            <a:schemeClr val="accent1"/>
-          </a:lnRef>
-          <a:fillRef idx="0">
-            <a:schemeClr val="accent1"/>
-          </a:fillRef>
-          <a:effectRef idx="0">
-            <a:schemeClr val="accent1"/>
-          </a:effectRef>
-          <a:fontRef idx="minor">
-            <a:schemeClr val="tx1"/>
-          </a:fontRef>
-        </p:style>
-      </p:cxnSp>
-      <p:cxnSp>
-        <p:nvCxnSpPr>
-          <p:cNvPr id="168" name="Connettore 2 167">
-            <a:extLst>
-              <a:ext uri="{FF2B5EF4-FFF2-40B4-BE49-F238E27FC236}">
-                <a16:creationId xmlns:a16="http://schemas.microsoft.com/office/drawing/2014/main" id="{1995F4C4-EA5A-56FE-21FC-E2B537A64289}"/>
-              </a:ext>
-            </a:extLst>
-          </p:cNvPr>
-          <p:cNvCxnSpPr>
-            <a:cxnSpLocks/>
-          </p:cNvCxnSpPr>
-          <p:nvPr/>
-        </p:nvCxnSpPr>
-        <p:spPr>
-          <a:xfrm>
-            <a:off x="2262295" y="1969129"/>
-            <a:ext cx="0" cy="1897915"/>
-          </a:xfrm>
-          <a:prstGeom prst="straightConnector1">
-            <a:avLst/>
-          </a:prstGeom>
-          <a:ln>
-            <a:solidFill>
-              <a:srgbClr val="FF0000"/>
-            </a:solidFill>
-            <a:tailEnd type="triangle"/>
-          </a:ln>
-        </p:spPr>
-        <p:style>
-          <a:lnRef idx="1">
-            <a:schemeClr val="accent1"/>
-          </a:lnRef>
-          <a:fillRef idx="0">
-            <a:schemeClr val="accent1"/>
-          </a:fillRef>
-          <a:effectRef idx="0">
-            <a:schemeClr val="accent1"/>
-          </a:effectRef>
-          <a:fontRef idx="minor">
-            <a:schemeClr val="tx1"/>
-          </a:fontRef>
-        </p:style>
-      </p:cxnSp>
       <p:cxnSp>
         <p:nvCxnSpPr>
           <p:cNvPr id="169" name="Straight Connector 1714">
@@ -21460,53 +21383,12 @@
           </a:prstGeom>
           <a:ln>
             <a:solidFill>
-              <a:srgbClr val="FF0000"/>
+              <a:schemeClr val="tx1">
+                <a:lumMod val="75000"/>
+                <a:lumOff val="25000"/>
+              </a:schemeClr>
             </a:solidFill>
             <a:tailEnd type="triangle" w="sm" len="sm"/>
-          </a:ln>
-        </p:spPr>
-        <p:style>
-          <a:lnRef idx="1">
-            <a:schemeClr val="accent1"/>
-          </a:lnRef>
-          <a:fillRef idx="0">
-            <a:schemeClr val="accent1"/>
-          </a:fillRef>
-          <a:effectRef idx="0">
-            <a:schemeClr val="accent1"/>
-          </a:effectRef>
-          <a:fontRef idx="minor">
-            <a:schemeClr val="tx1"/>
-          </a:fontRef>
-        </p:style>
-      </p:cxnSp>
-      <p:cxnSp>
-        <p:nvCxnSpPr>
-          <p:cNvPr id="176" name="Connettore 2 175">
-            <a:extLst>
-              <a:ext uri="{FF2B5EF4-FFF2-40B4-BE49-F238E27FC236}">
-                <a16:creationId xmlns:a16="http://schemas.microsoft.com/office/drawing/2014/main" id="{7723319C-F51D-DB8F-7284-A75FDD8846CC}"/>
-              </a:ext>
-            </a:extLst>
-          </p:cNvPr>
-          <p:cNvCxnSpPr>
-            <a:cxnSpLocks/>
-          </p:cNvCxnSpPr>
-          <p:nvPr/>
-        </p:nvCxnSpPr>
-        <p:spPr>
-          <a:xfrm>
-            <a:off x="640669" y="2434255"/>
-            <a:ext cx="0" cy="1432789"/>
-          </a:xfrm>
-          <a:prstGeom prst="straightConnector1">
-            <a:avLst/>
-          </a:prstGeom>
-          <a:ln>
-            <a:solidFill>
-              <a:srgbClr val="FF0000"/>
-            </a:solidFill>
-            <a:tailEnd type="triangle"/>
           </a:ln>
         </p:spPr>
         <p:style>
@@ -21546,8 +21428,8 @@
           </a:prstGeom>
           <a:solidFill>
             <a:schemeClr val="tx1">
-              <a:lumMod val="50000"/>
-              <a:lumOff val="50000"/>
+              <a:lumMod val="65000"/>
+              <a:lumOff val="35000"/>
               <a:alpha val="50000"/>
             </a:schemeClr>
           </a:solidFill>
@@ -21602,7 +21484,7 @@
           </a:prstGeom>
           <a:solidFill>
             <a:schemeClr val="bg2">
-              <a:lumMod val="90000"/>
+              <a:lumMod val="75000"/>
               <a:alpha val="50000"/>
             </a:schemeClr>
           </a:solidFill>
@@ -21896,7 +21778,7 @@
         </p:nvSpPr>
         <p:spPr>
           <a:xfrm>
-            <a:off x="666242" y="1324522"/>
+            <a:off x="549017" y="1355786"/>
             <a:ext cx="180000" cy="90000"/>
           </a:xfrm>
           <a:prstGeom prst="rect">
@@ -21952,7 +21834,7 @@
         </p:nvSpPr>
         <p:spPr>
           <a:xfrm>
-            <a:off x="666252" y="1176217"/>
+            <a:off x="549027" y="1207481"/>
             <a:ext cx="180000" cy="90000"/>
           </a:xfrm>
           <a:prstGeom prst="rect">
@@ -22007,7 +21889,7 @@
         </p:nvSpPr>
         <p:spPr>
           <a:xfrm>
-            <a:off x="799754" y="1113495"/>
+            <a:off x="666899" y="1144759"/>
             <a:ext cx="2386090" cy="215444"/>
           </a:xfrm>
           <a:prstGeom prst="rect">
@@ -22023,7 +21905,15 @@
           <a:p>
             <a:r>
               <a:rPr lang="en-US" sz="800" dirty="0"/>
-              <a:t>Moderately severe rainfall events</a:t>
+              <a:t>Moderately severe rainfall events (tp</a:t>
+            </a:r>
+            <a:r>
+              <a:rPr lang="en-US" sz="800" baseline="-25000" dirty="0"/>
+              <a:t>MS</a:t>
+            </a:r>
+            <a:r>
+              <a:rPr lang="en-US" sz="800" dirty="0"/>
+              <a:t>)</a:t>
             </a:r>
             <a:endParaRPr lang="en-GB" sz="800" dirty="0"/>
           </a:p>
@@ -22043,7 +21933,7 @@
         </p:nvSpPr>
         <p:spPr>
           <a:xfrm>
-            <a:off x="799754" y="1261800"/>
+            <a:off x="682529" y="1293064"/>
             <a:ext cx="1454436" cy="215444"/>
           </a:xfrm>
           <a:prstGeom prst="rect">
@@ -22059,7 +21949,15 @@
           <a:p>
             <a:r>
               <a:rPr lang="en-US" sz="800" dirty="0"/>
-              <a:t>Severe rainfall events</a:t>
+              <a:t>Severe rainfall events  (tp</a:t>
+            </a:r>
+            <a:r>
+              <a:rPr lang="en-US" sz="800" baseline="-25000" dirty="0"/>
+              <a:t>S</a:t>
+            </a:r>
+            <a:r>
+              <a:rPr lang="en-US" sz="800" dirty="0"/>
+              <a:t>)</a:t>
             </a:r>
             <a:endParaRPr lang="en-GB" sz="800" dirty="0"/>
           </a:p>
@@ -22079,8 +21977,8 @@
         </p:nvSpPr>
         <p:spPr>
           <a:xfrm>
-            <a:off x="613079" y="1113380"/>
-            <a:ext cx="1710650" cy="346480"/>
+            <a:off x="495854" y="1144644"/>
+            <a:ext cx="1959924" cy="346480"/>
           </a:xfrm>
           <a:prstGeom prst="rect">
             <a:avLst/>
@@ -22120,270 +22018,6 @@
           </a:p>
         </p:txBody>
       </p:sp>
-      <p:cxnSp>
-        <p:nvCxnSpPr>
-          <p:cNvPr id="189" name="Connettore 2 188">
-            <a:extLst>
-              <a:ext uri="{FF2B5EF4-FFF2-40B4-BE49-F238E27FC236}">
-                <a16:creationId xmlns:a16="http://schemas.microsoft.com/office/drawing/2014/main" id="{2017D58B-F34C-F0DC-DF50-CDFC86279FCB}"/>
-              </a:ext>
-            </a:extLst>
-          </p:cNvPr>
-          <p:cNvCxnSpPr>
-            <a:cxnSpLocks/>
-          </p:cNvCxnSpPr>
-          <p:nvPr/>
-        </p:nvCxnSpPr>
-        <p:spPr>
-          <a:xfrm>
-            <a:off x="466430" y="4844007"/>
-            <a:ext cx="388800" cy="0"/>
-          </a:xfrm>
-          <a:prstGeom prst="straightConnector1">
-            <a:avLst/>
-          </a:prstGeom>
-          <a:ln>
-            <a:solidFill>
-              <a:srgbClr val="FF0000"/>
-            </a:solidFill>
-            <a:tailEnd type="triangle" w="sm" len="sm"/>
-          </a:ln>
-        </p:spPr>
-        <p:style>
-          <a:lnRef idx="1">
-            <a:schemeClr val="accent1"/>
-          </a:lnRef>
-          <a:fillRef idx="0">
-            <a:schemeClr val="accent1"/>
-          </a:fillRef>
-          <a:effectRef idx="0">
-            <a:schemeClr val="accent1"/>
-          </a:effectRef>
-          <a:fontRef idx="minor">
-            <a:schemeClr val="tx1"/>
-          </a:fontRef>
-        </p:style>
-      </p:cxnSp>
-      <p:cxnSp>
-        <p:nvCxnSpPr>
-          <p:cNvPr id="190" name="Connettore 2 189">
-            <a:extLst>
-              <a:ext uri="{FF2B5EF4-FFF2-40B4-BE49-F238E27FC236}">
-                <a16:creationId xmlns:a16="http://schemas.microsoft.com/office/drawing/2014/main" id="{1A4D0887-F29F-14A3-F8BE-DB797BFD5760}"/>
-              </a:ext>
-            </a:extLst>
-          </p:cNvPr>
-          <p:cNvCxnSpPr>
-            <a:cxnSpLocks/>
-          </p:cNvCxnSpPr>
-          <p:nvPr/>
-        </p:nvCxnSpPr>
-        <p:spPr>
-          <a:xfrm>
-            <a:off x="862614" y="4852761"/>
-            <a:ext cx="0" cy="1789518"/>
-          </a:xfrm>
-          <a:prstGeom prst="straightConnector1">
-            <a:avLst/>
-          </a:prstGeom>
-          <a:ln>
-            <a:solidFill>
-              <a:srgbClr val="FF0000"/>
-            </a:solidFill>
-            <a:tailEnd type="triangle"/>
-          </a:ln>
-        </p:spPr>
-        <p:style>
-          <a:lnRef idx="1">
-            <a:schemeClr val="accent1"/>
-          </a:lnRef>
-          <a:fillRef idx="0">
-            <a:schemeClr val="accent1"/>
-          </a:fillRef>
-          <a:effectRef idx="0">
-            <a:schemeClr val="accent1"/>
-          </a:effectRef>
-          <a:fontRef idx="minor">
-            <a:schemeClr val="tx1"/>
-          </a:fontRef>
-        </p:style>
-      </p:cxnSp>
-      <p:cxnSp>
-        <p:nvCxnSpPr>
-          <p:cNvPr id="191" name="Connettore 2 190">
-            <a:extLst>
-              <a:ext uri="{FF2B5EF4-FFF2-40B4-BE49-F238E27FC236}">
-                <a16:creationId xmlns:a16="http://schemas.microsoft.com/office/drawing/2014/main" id="{04B7649E-9DB6-C72C-5955-3BD0FD3C417B}"/>
-              </a:ext>
-            </a:extLst>
-          </p:cNvPr>
-          <p:cNvCxnSpPr>
-            <a:cxnSpLocks/>
-          </p:cNvCxnSpPr>
-          <p:nvPr/>
-        </p:nvCxnSpPr>
-        <p:spPr>
-          <a:xfrm>
-            <a:off x="466430" y="4754877"/>
-            <a:ext cx="1047916" cy="0"/>
-          </a:xfrm>
-          <a:prstGeom prst="straightConnector1">
-            <a:avLst/>
-          </a:prstGeom>
-          <a:ln>
-            <a:solidFill>
-              <a:srgbClr val="FF0000"/>
-            </a:solidFill>
-            <a:tailEnd type="triangle" w="sm" len="sm"/>
-          </a:ln>
-        </p:spPr>
-        <p:style>
-          <a:lnRef idx="1">
-            <a:schemeClr val="accent1"/>
-          </a:lnRef>
-          <a:fillRef idx="0">
-            <a:schemeClr val="accent1"/>
-          </a:fillRef>
-          <a:effectRef idx="0">
-            <a:schemeClr val="accent1"/>
-          </a:effectRef>
-          <a:fontRef idx="minor">
-            <a:schemeClr val="tx1"/>
-          </a:fontRef>
-        </p:style>
-      </p:cxnSp>
-      <p:cxnSp>
-        <p:nvCxnSpPr>
-          <p:cNvPr id="192" name="Connettore 2 191">
-            <a:extLst>
-              <a:ext uri="{FF2B5EF4-FFF2-40B4-BE49-F238E27FC236}">
-                <a16:creationId xmlns:a16="http://schemas.microsoft.com/office/drawing/2014/main" id="{ABBF2211-E287-D8B3-7C92-8BAFEFFDD89C}"/>
-              </a:ext>
-            </a:extLst>
-          </p:cNvPr>
-          <p:cNvCxnSpPr>
-            <a:cxnSpLocks/>
-          </p:cNvCxnSpPr>
-          <p:nvPr/>
-        </p:nvCxnSpPr>
-        <p:spPr>
-          <a:xfrm flipH="1">
-            <a:off x="1520786" y="4765143"/>
-            <a:ext cx="0" cy="1877136"/>
-          </a:xfrm>
-          <a:prstGeom prst="straightConnector1">
-            <a:avLst/>
-          </a:prstGeom>
-          <a:ln>
-            <a:solidFill>
-              <a:srgbClr val="FF0000"/>
-            </a:solidFill>
-            <a:tailEnd type="triangle"/>
-          </a:ln>
-        </p:spPr>
-        <p:style>
-          <a:lnRef idx="1">
-            <a:schemeClr val="accent1"/>
-          </a:lnRef>
-          <a:fillRef idx="0">
-            <a:schemeClr val="accent1"/>
-          </a:fillRef>
-          <a:effectRef idx="0">
-            <a:schemeClr val="accent1"/>
-          </a:effectRef>
-          <a:fontRef idx="minor">
-            <a:schemeClr val="tx1"/>
-          </a:fontRef>
-        </p:style>
-      </p:cxnSp>
-      <p:cxnSp>
-        <p:nvCxnSpPr>
-          <p:cNvPr id="193" name="Connettore 2 192">
-            <a:extLst>
-              <a:ext uri="{FF2B5EF4-FFF2-40B4-BE49-F238E27FC236}">
-                <a16:creationId xmlns:a16="http://schemas.microsoft.com/office/drawing/2014/main" id="{42FB168A-8424-4AB7-B118-991422BBFD8C}"/>
-              </a:ext>
-            </a:extLst>
-          </p:cNvPr>
-          <p:cNvCxnSpPr>
-            <a:cxnSpLocks/>
-          </p:cNvCxnSpPr>
-          <p:nvPr/>
-        </p:nvCxnSpPr>
-        <p:spPr>
-          <a:xfrm>
-            <a:off x="466430" y="5223730"/>
-            <a:ext cx="133516" cy="0"/>
-          </a:xfrm>
-          <a:prstGeom prst="straightConnector1">
-            <a:avLst/>
-          </a:prstGeom>
-          <a:ln>
-            <a:solidFill>
-              <a:srgbClr val="FF0000"/>
-            </a:solidFill>
-            <a:tailEnd type="triangle" w="sm" len="sm"/>
-          </a:ln>
-        </p:spPr>
-        <p:style>
-          <a:lnRef idx="1">
-            <a:schemeClr val="accent1"/>
-          </a:lnRef>
-          <a:fillRef idx="0">
-            <a:schemeClr val="accent1"/>
-          </a:fillRef>
-          <a:effectRef idx="0">
-            <a:schemeClr val="accent1"/>
-          </a:effectRef>
-          <a:fontRef idx="minor">
-            <a:schemeClr val="tx1"/>
-          </a:fontRef>
-        </p:style>
-      </p:cxnSp>
-      <p:cxnSp>
-        <p:nvCxnSpPr>
-          <p:cNvPr id="194" name="Connettore 2 193">
-            <a:extLst>
-              <a:ext uri="{FF2B5EF4-FFF2-40B4-BE49-F238E27FC236}">
-                <a16:creationId xmlns:a16="http://schemas.microsoft.com/office/drawing/2014/main" id="{9175DA74-8A2D-85B6-0515-FC66DCD0A667}"/>
-              </a:ext>
-            </a:extLst>
-          </p:cNvPr>
-          <p:cNvCxnSpPr>
-            <a:cxnSpLocks/>
-          </p:cNvCxnSpPr>
-          <p:nvPr/>
-        </p:nvCxnSpPr>
-        <p:spPr>
-          <a:xfrm>
-            <a:off x="619265" y="5233390"/>
-            <a:ext cx="1516" cy="1408889"/>
-          </a:xfrm>
-          <a:prstGeom prst="straightConnector1">
-            <a:avLst/>
-          </a:prstGeom>
-          <a:ln>
-            <a:solidFill>
-              <a:srgbClr val="FF0000"/>
-            </a:solidFill>
-            <a:tailEnd type="triangle"/>
-          </a:ln>
-        </p:spPr>
-        <p:style>
-          <a:lnRef idx="1">
-            <a:schemeClr val="accent1"/>
-          </a:lnRef>
-          <a:fillRef idx="0">
-            <a:schemeClr val="accent1"/>
-          </a:fillRef>
-          <a:effectRef idx="0">
-            <a:schemeClr val="accent1"/>
-          </a:effectRef>
-          <a:fontRef idx="minor">
-            <a:schemeClr val="tx1"/>
-          </a:fontRef>
-        </p:style>
-      </p:cxnSp>
       <p:sp>
         <p:nvSpPr>
           <p:cNvPr id="195" name="Rettangolo 194">
@@ -22517,8 +22151,8 @@
           </a:prstGeom>
           <a:solidFill>
             <a:schemeClr val="tx1">
-              <a:lumMod val="50000"/>
-              <a:lumOff val="50000"/>
+              <a:lumMod val="65000"/>
+              <a:lumOff val="35000"/>
               <a:alpha val="50000"/>
             </a:schemeClr>
           </a:solidFill>
@@ -22573,7 +22207,7 @@
           </a:prstGeom>
           <a:solidFill>
             <a:schemeClr val="bg2">
-              <a:lumMod val="90000"/>
+              <a:lumMod val="75000"/>
               <a:alpha val="50000"/>
             </a:schemeClr>
           </a:solidFill>
@@ -22620,8 +22254,8 @@
         </p:nvSpPr>
         <p:spPr>
           <a:xfrm rot="16200000">
-            <a:off x="6266007" y="2844434"/>
-            <a:ext cx="1051127" cy="215444"/>
+            <a:off x="5975296" y="2553723"/>
+            <a:ext cx="1632549" cy="215444"/>
           </a:xfrm>
           <a:prstGeom prst="rect">
             <a:avLst/>
@@ -22636,7 +22270,15 @@
           <a:p>
             <a:r>
               <a:rPr lang="en-US" sz="800" dirty="0"/>
-              <a:t>Top ¾ flood events </a:t>
+              <a:t>Top ¾ </a:t>
+            </a:r>
+            <a:r>
+              <a:rPr lang="en-US" sz="800"/>
+              <a:t>most extreme </a:t>
+            </a:r>
+            <a:r>
+              <a:rPr lang="en-US" sz="800" dirty="0"/>
+              <a:t>flood events </a:t>
             </a:r>
             <a:endParaRPr lang="en-GB" sz="800" dirty="0"/>
           </a:p>
@@ -22767,8 +22409,8 @@
         </p:nvSpPr>
         <p:spPr>
           <a:xfrm rot="16200000">
-            <a:off x="6272773" y="5626331"/>
-            <a:ext cx="1051127" cy="215444"/>
+            <a:off x="5986637" y="5340195"/>
+            <a:ext cx="1623400" cy="215444"/>
           </a:xfrm>
           <a:prstGeom prst="rect">
             <a:avLst/>
@@ -22783,7 +22425,7 @@
           <a:p>
             <a:r>
               <a:rPr lang="en-US" sz="800" dirty="0"/>
-              <a:t>Top ¾ flood events </a:t>
+              <a:t>Top ¾ most extreme flood events </a:t>
             </a:r>
             <a:endParaRPr lang="en-GB" sz="800" dirty="0"/>
           </a:p>
@@ -23005,10 +22647,7 @@
           </a:prstGeom>
           <a:ln>
             <a:solidFill>
-              <a:schemeClr val="tx1">
-                <a:lumMod val="75000"/>
-                <a:lumOff val="25000"/>
-              </a:schemeClr>
+              <a:srgbClr val="00B050"/>
             </a:solidFill>
           </a:ln>
         </p:spPr>
@@ -23051,10 +22690,7 @@
           </a:prstGeom>
           <a:ln>
             <a:solidFill>
-              <a:schemeClr val="tx1">
-                <a:lumMod val="75000"/>
-                <a:lumOff val="25000"/>
-              </a:schemeClr>
+              <a:srgbClr val="00B050"/>
             </a:solidFill>
           </a:ln>
         </p:spPr>
@@ -23269,6 +22905,926 @@
           </a:p>
         </p:txBody>
       </p:sp>
+      <p:sp>
+        <p:nvSpPr>
+          <p:cNvPr id="2" name="CasellaDiTesto 278">
+            <a:extLst>
+              <a:ext uri="{FF2B5EF4-FFF2-40B4-BE49-F238E27FC236}">
+                <a16:creationId xmlns:a16="http://schemas.microsoft.com/office/drawing/2014/main" id="{E4C97F7F-25FA-2A36-617E-355914436400}"/>
+              </a:ext>
+            </a:extLst>
+          </p:cNvPr>
+          <p:cNvSpPr txBox="1"/>
+          <p:nvPr/>
+        </p:nvSpPr>
+        <p:spPr>
+          <a:xfrm>
+            <a:off x="564469" y="6121632"/>
+            <a:ext cx="482535" cy="215444"/>
+          </a:xfrm>
+          <a:prstGeom prst="rect">
+            <a:avLst/>
+          </a:prstGeom>
+          <a:noFill/>
+          <a:ln>
+            <a:noFill/>
+          </a:ln>
+        </p:spPr>
+        <p:txBody>
+          <a:bodyPr wrap="square" rtlCol="0">
+            <a:spAutoFit/>
+          </a:bodyPr>
+          <a:lstStyle/>
+          <a:p>
+            <a:r>
+              <a:rPr lang="en-US" sz="800" dirty="0">
+                <a:solidFill>
+                  <a:srgbClr val="9D794D"/>
+                </a:solidFill>
+              </a:rPr>
+              <a:t>tp</a:t>
+            </a:r>
+            <a:r>
+              <a:rPr lang="en-US" sz="800" baseline="-25000" dirty="0">
+                <a:solidFill>
+                  <a:srgbClr val="9D794D"/>
+                </a:solidFill>
+              </a:rPr>
+              <a:t>MS</a:t>
+            </a:r>
+            <a:endParaRPr lang="en-GB" sz="800" dirty="0">
+              <a:solidFill>
+                <a:srgbClr val="9D794D"/>
+              </a:solidFill>
+            </a:endParaRPr>
+          </a:p>
+        </p:txBody>
+      </p:sp>
+      <p:sp>
+        <p:nvSpPr>
+          <p:cNvPr id="3" name="CasellaDiTesto 278">
+            <a:extLst>
+              <a:ext uri="{FF2B5EF4-FFF2-40B4-BE49-F238E27FC236}">
+                <a16:creationId xmlns:a16="http://schemas.microsoft.com/office/drawing/2014/main" id="{ED018442-B795-CD59-038A-700878F0D4D8}"/>
+              </a:ext>
+            </a:extLst>
+          </p:cNvPr>
+          <p:cNvSpPr txBox="1"/>
+          <p:nvPr/>
+        </p:nvSpPr>
+        <p:spPr>
+          <a:xfrm>
+            <a:off x="946805" y="6121632"/>
+            <a:ext cx="482535" cy="215444"/>
+          </a:xfrm>
+          <a:prstGeom prst="rect">
+            <a:avLst/>
+          </a:prstGeom>
+          <a:noFill/>
+          <a:ln>
+            <a:noFill/>
+          </a:ln>
+        </p:spPr>
+        <p:txBody>
+          <a:bodyPr wrap="square" rtlCol="0">
+            <a:spAutoFit/>
+          </a:bodyPr>
+          <a:lstStyle/>
+          <a:p>
+            <a:pPr algn="ctr"/>
+            <a:r>
+              <a:rPr lang="en-US" sz="800" dirty="0">
+                <a:solidFill>
+                  <a:srgbClr val="9D794D"/>
+                </a:solidFill>
+              </a:rPr>
+              <a:t>tp</a:t>
+            </a:r>
+            <a:r>
+              <a:rPr lang="en-US" sz="800" baseline="-25000" dirty="0">
+                <a:solidFill>
+                  <a:srgbClr val="9D794D"/>
+                </a:solidFill>
+              </a:rPr>
+              <a:t>S</a:t>
+            </a:r>
+            <a:endParaRPr lang="en-GB" sz="800" dirty="0">
+              <a:solidFill>
+                <a:srgbClr val="9D794D"/>
+              </a:solidFill>
+            </a:endParaRPr>
+          </a:p>
+        </p:txBody>
+      </p:sp>
+      <p:cxnSp>
+        <p:nvCxnSpPr>
+          <p:cNvPr id="4" name="Straight Arrow Connector 43">
+            <a:extLst>
+              <a:ext uri="{FF2B5EF4-FFF2-40B4-BE49-F238E27FC236}">
+                <a16:creationId xmlns:a16="http://schemas.microsoft.com/office/drawing/2014/main" id="{1A25CF7D-1A61-AD99-3F52-4DA31D5E63C7}"/>
+              </a:ext>
+            </a:extLst>
+          </p:cNvPr>
+          <p:cNvCxnSpPr>
+            <a:cxnSpLocks/>
+          </p:cNvCxnSpPr>
+          <p:nvPr/>
+        </p:nvCxnSpPr>
+        <p:spPr>
+          <a:xfrm>
+            <a:off x="621280" y="6330402"/>
+            <a:ext cx="240854" cy="0"/>
+          </a:xfrm>
+          <a:prstGeom prst="straightConnector1">
+            <a:avLst/>
+          </a:prstGeom>
+          <a:ln>
+            <a:solidFill>
+              <a:srgbClr val="BA9972"/>
+            </a:solidFill>
+            <a:headEnd type="triangle" w="sm" len="sm"/>
+            <a:tailEnd type="triangle" w="sm" len="sm"/>
+          </a:ln>
+        </p:spPr>
+        <p:style>
+          <a:lnRef idx="1">
+            <a:schemeClr val="accent1"/>
+          </a:lnRef>
+          <a:fillRef idx="0">
+            <a:schemeClr val="accent1"/>
+          </a:fillRef>
+          <a:effectRef idx="0">
+            <a:schemeClr val="accent1"/>
+          </a:effectRef>
+          <a:fontRef idx="minor">
+            <a:schemeClr val="tx1"/>
+          </a:fontRef>
+        </p:style>
+      </p:cxnSp>
+      <p:cxnSp>
+        <p:nvCxnSpPr>
+          <p:cNvPr id="5" name="Straight Arrow Connector 44">
+            <a:extLst>
+              <a:ext uri="{FF2B5EF4-FFF2-40B4-BE49-F238E27FC236}">
+                <a16:creationId xmlns:a16="http://schemas.microsoft.com/office/drawing/2014/main" id="{C88CA02D-F042-8626-E9A7-A1D15268168E}"/>
+              </a:ext>
+            </a:extLst>
+          </p:cNvPr>
+          <p:cNvCxnSpPr>
+            <a:cxnSpLocks/>
+          </p:cNvCxnSpPr>
+          <p:nvPr/>
+        </p:nvCxnSpPr>
+        <p:spPr>
+          <a:xfrm>
+            <a:off x="861798" y="6330402"/>
+            <a:ext cx="652548" cy="0"/>
+          </a:xfrm>
+          <a:prstGeom prst="straightConnector1">
+            <a:avLst/>
+          </a:prstGeom>
+          <a:ln>
+            <a:solidFill>
+              <a:srgbClr val="BA9972"/>
+            </a:solidFill>
+            <a:headEnd type="triangle" w="sm" len="sm"/>
+            <a:tailEnd type="triangle" w="sm" len="sm"/>
+          </a:ln>
+        </p:spPr>
+        <p:style>
+          <a:lnRef idx="1">
+            <a:schemeClr val="accent1"/>
+          </a:lnRef>
+          <a:fillRef idx="0">
+            <a:schemeClr val="accent1"/>
+          </a:fillRef>
+          <a:effectRef idx="0">
+            <a:schemeClr val="accent1"/>
+          </a:effectRef>
+          <a:fontRef idx="minor">
+            <a:schemeClr val="tx1"/>
+          </a:fontRef>
+        </p:style>
+      </p:cxnSp>
+      <p:sp>
+        <p:nvSpPr>
+          <p:cNvPr id="8" name="CasellaDiTesto 278">
+            <a:extLst>
+              <a:ext uri="{FF2B5EF4-FFF2-40B4-BE49-F238E27FC236}">
+                <a16:creationId xmlns:a16="http://schemas.microsoft.com/office/drawing/2014/main" id="{8129DF11-6595-B631-A674-88AB06BDB6DE}"/>
+              </a:ext>
+            </a:extLst>
+          </p:cNvPr>
+          <p:cNvSpPr txBox="1"/>
+          <p:nvPr/>
+        </p:nvSpPr>
+        <p:spPr>
+          <a:xfrm>
+            <a:off x="689567" y="3429947"/>
+            <a:ext cx="482535" cy="215444"/>
+          </a:xfrm>
+          <a:prstGeom prst="rect">
+            <a:avLst/>
+          </a:prstGeom>
+          <a:noFill/>
+          <a:ln>
+            <a:noFill/>
+          </a:ln>
+        </p:spPr>
+        <p:txBody>
+          <a:bodyPr wrap="square" rtlCol="0">
+            <a:spAutoFit/>
+          </a:bodyPr>
+          <a:lstStyle/>
+          <a:p>
+            <a:pPr algn="ctr"/>
+            <a:r>
+              <a:rPr lang="en-US" sz="800" dirty="0">
+                <a:solidFill>
+                  <a:srgbClr val="FFFF00"/>
+                </a:solidFill>
+              </a:rPr>
+              <a:t>tp</a:t>
+            </a:r>
+            <a:r>
+              <a:rPr lang="en-US" sz="800" baseline="-25000" dirty="0">
+                <a:solidFill>
+                  <a:srgbClr val="FFFF00"/>
+                </a:solidFill>
+              </a:rPr>
+              <a:t>MS</a:t>
+            </a:r>
+            <a:endParaRPr lang="en-GB" sz="800" dirty="0">
+              <a:solidFill>
+                <a:srgbClr val="FFFF00"/>
+              </a:solidFill>
+            </a:endParaRPr>
+          </a:p>
+        </p:txBody>
+      </p:sp>
+      <p:sp>
+        <p:nvSpPr>
+          <p:cNvPr id="9" name="CasellaDiTesto 278">
+            <a:extLst>
+              <a:ext uri="{FF2B5EF4-FFF2-40B4-BE49-F238E27FC236}">
+                <a16:creationId xmlns:a16="http://schemas.microsoft.com/office/drawing/2014/main" id="{F5DE2CAF-E146-F29A-8976-74F5FCBA328D}"/>
+              </a:ext>
+            </a:extLst>
+          </p:cNvPr>
+          <p:cNvSpPr txBox="1"/>
+          <p:nvPr/>
+        </p:nvSpPr>
+        <p:spPr>
+          <a:xfrm>
+            <a:off x="1493496" y="3429947"/>
+            <a:ext cx="482535" cy="215444"/>
+          </a:xfrm>
+          <a:prstGeom prst="rect">
+            <a:avLst/>
+          </a:prstGeom>
+          <a:noFill/>
+          <a:ln>
+            <a:noFill/>
+          </a:ln>
+        </p:spPr>
+        <p:txBody>
+          <a:bodyPr wrap="square" rtlCol="0">
+            <a:spAutoFit/>
+          </a:bodyPr>
+          <a:lstStyle/>
+          <a:p>
+            <a:pPr algn="ctr"/>
+            <a:r>
+              <a:rPr lang="en-US" sz="800" dirty="0">
+                <a:solidFill>
+                  <a:srgbClr val="FFFF00"/>
+                </a:solidFill>
+              </a:rPr>
+              <a:t>tp</a:t>
+            </a:r>
+            <a:r>
+              <a:rPr lang="en-US" sz="800" baseline="-25000" dirty="0">
+                <a:solidFill>
+                  <a:srgbClr val="FFFF00"/>
+                </a:solidFill>
+              </a:rPr>
+              <a:t>S</a:t>
+            </a:r>
+            <a:endParaRPr lang="en-GB" sz="800" dirty="0">
+              <a:solidFill>
+                <a:srgbClr val="FFFF00"/>
+              </a:solidFill>
+            </a:endParaRPr>
+          </a:p>
+        </p:txBody>
+      </p:sp>
+      <p:cxnSp>
+        <p:nvCxnSpPr>
+          <p:cNvPr id="10" name="Straight Arrow Connector 43">
+            <a:extLst>
+              <a:ext uri="{FF2B5EF4-FFF2-40B4-BE49-F238E27FC236}">
+                <a16:creationId xmlns:a16="http://schemas.microsoft.com/office/drawing/2014/main" id="{3FB8D575-5003-8FDE-7C56-C9C74B69C9FD}"/>
+              </a:ext>
+            </a:extLst>
+          </p:cNvPr>
+          <p:cNvCxnSpPr>
+            <a:cxnSpLocks/>
+          </p:cNvCxnSpPr>
+          <p:nvPr/>
+        </p:nvCxnSpPr>
+        <p:spPr>
+          <a:xfrm flipV="1">
+            <a:off x="640669" y="3638717"/>
+            <a:ext cx="580330" cy="0"/>
+          </a:xfrm>
+          <a:prstGeom prst="straightConnector1">
+            <a:avLst/>
+          </a:prstGeom>
+          <a:ln>
+            <a:solidFill>
+              <a:srgbClr val="FFFF00"/>
+            </a:solidFill>
+            <a:headEnd type="triangle" w="sm" len="sm"/>
+            <a:tailEnd type="triangle" w="sm" len="sm"/>
+          </a:ln>
+        </p:spPr>
+        <p:style>
+          <a:lnRef idx="1">
+            <a:schemeClr val="accent1"/>
+          </a:lnRef>
+          <a:fillRef idx="0">
+            <a:schemeClr val="accent1"/>
+          </a:fillRef>
+          <a:effectRef idx="0">
+            <a:schemeClr val="accent1"/>
+          </a:effectRef>
+          <a:fontRef idx="minor">
+            <a:schemeClr val="tx1"/>
+          </a:fontRef>
+        </p:style>
+      </p:cxnSp>
+      <p:cxnSp>
+        <p:nvCxnSpPr>
+          <p:cNvPr id="11" name="Straight Arrow Connector 44">
+            <a:extLst>
+              <a:ext uri="{FF2B5EF4-FFF2-40B4-BE49-F238E27FC236}">
+                <a16:creationId xmlns:a16="http://schemas.microsoft.com/office/drawing/2014/main" id="{794F29BA-E0E5-71DF-7C2A-8551D3CF29DC}"/>
+              </a:ext>
+            </a:extLst>
+          </p:cNvPr>
+          <p:cNvCxnSpPr>
+            <a:cxnSpLocks/>
+          </p:cNvCxnSpPr>
+          <p:nvPr/>
+        </p:nvCxnSpPr>
+        <p:spPr>
+          <a:xfrm>
+            <a:off x="1215336" y="3638717"/>
+            <a:ext cx="1038854" cy="0"/>
+          </a:xfrm>
+          <a:prstGeom prst="straightConnector1">
+            <a:avLst/>
+          </a:prstGeom>
+          <a:ln>
+            <a:solidFill>
+              <a:srgbClr val="FFFF00"/>
+            </a:solidFill>
+            <a:headEnd type="triangle" w="sm" len="sm"/>
+            <a:tailEnd type="triangle" w="sm" len="sm"/>
+          </a:ln>
+        </p:spPr>
+        <p:style>
+          <a:lnRef idx="1">
+            <a:schemeClr val="accent1"/>
+          </a:lnRef>
+          <a:fillRef idx="0">
+            <a:schemeClr val="accent1"/>
+          </a:fillRef>
+          <a:effectRef idx="0">
+            <a:schemeClr val="accent1"/>
+          </a:effectRef>
+          <a:fontRef idx="minor">
+            <a:schemeClr val="tx1"/>
+          </a:fontRef>
+        </p:style>
+      </p:cxnSp>
+      <p:cxnSp>
+        <p:nvCxnSpPr>
+          <p:cNvPr id="165" name="Connettore 2 164">
+            <a:extLst>
+              <a:ext uri="{FF2B5EF4-FFF2-40B4-BE49-F238E27FC236}">
+                <a16:creationId xmlns:a16="http://schemas.microsoft.com/office/drawing/2014/main" id="{9A07D063-6386-E170-8D12-554F09DD150D}"/>
+              </a:ext>
+            </a:extLst>
+          </p:cNvPr>
+          <p:cNvCxnSpPr>
+            <a:cxnSpLocks/>
+          </p:cNvCxnSpPr>
+          <p:nvPr/>
+        </p:nvCxnSpPr>
+        <p:spPr>
+          <a:xfrm>
+            <a:off x="463580" y="2046870"/>
+            <a:ext cx="742753" cy="0"/>
+          </a:xfrm>
+          <a:prstGeom prst="straightConnector1">
+            <a:avLst/>
+          </a:prstGeom>
+          <a:ln>
+            <a:solidFill>
+              <a:schemeClr val="tx1">
+                <a:lumMod val="75000"/>
+                <a:lumOff val="25000"/>
+              </a:schemeClr>
+            </a:solidFill>
+            <a:tailEnd type="triangle" w="sm" len="sm"/>
+          </a:ln>
+        </p:spPr>
+        <p:style>
+          <a:lnRef idx="1">
+            <a:schemeClr val="accent1"/>
+          </a:lnRef>
+          <a:fillRef idx="0">
+            <a:schemeClr val="accent1"/>
+          </a:fillRef>
+          <a:effectRef idx="0">
+            <a:schemeClr val="accent1"/>
+          </a:effectRef>
+          <a:fontRef idx="minor">
+            <a:schemeClr val="tx1"/>
+          </a:fontRef>
+        </p:style>
+      </p:cxnSp>
+      <p:cxnSp>
+        <p:nvCxnSpPr>
+          <p:cNvPr id="167" name="Connettore 2 166">
+            <a:extLst>
+              <a:ext uri="{FF2B5EF4-FFF2-40B4-BE49-F238E27FC236}">
+                <a16:creationId xmlns:a16="http://schemas.microsoft.com/office/drawing/2014/main" id="{6C5CB558-50B8-6170-9D49-72B8A8C90678}"/>
+              </a:ext>
+            </a:extLst>
+          </p:cNvPr>
+          <p:cNvCxnSpPr>
+            <a:cxnSpLocks/>
+          </p:cNvCxnSpPr>
+          <p:nvPr/>
+        </p:nvCxnSpPr>
+        <p:spPr>
+          <a:xfrm>
+            <a:off x="463580" y="1957740"/>
+            <a:ext cx="1783771" cy="0"/>
+          </a:xfrm>
+          <a:prstGeom prst="straightConnector1">
+            <a:avLst/>
+          </a:prstGeom>
+          <a:ln>
+            <a:solidFill>
+              <a:schemeClr val="tx1">
+                <a:lumMod val="75000"/>
+                <a:lumOff val="25000"/>
+              </a:schemeClr>
+            </a:solidFill>
+            <a:tailEnd type="triangle" w="sm" len="sm"/>
+          </a:ln>
+        </p:spPr>
+        <p:style>
+          <a:lnRef idx="1">
+            <a:schemeClr val="accent1"/>
+          </a:lnRef>
+          <a:fillRef idx="0">
+            <a:schemeClr val="accent1"/>
+          </a:fillRef>
+          <a:effectRef idx="0">
+            <a:schemeClr val="accent1"/>
+          </a:effectRef>
+          <a:fontRef idx="minor">
+            <a:schemeClr val="tx1"/>
+          </a:fontRef>
+        </p:style>
+      </p:cxnSp>
+      <p:cxnSp>
+        <p:nvCxnSpPr>
+          <p:cNvPr id="166" name="Connettore 2 165">
+            <a:extLst>
+              <a:ext uri="{FF2B5EF4-FFF2-40B4-BE49-F238E27FC236}">
+                <a16:creationId xmlns:a16="http://schemas.microsoft.com/office/drawing/2014/main" id="{7A07C078-3E04-FE56-6D55-E33C2FA74F5A}"/>
+              </a:ext>
+            </a:extLst>
+          </p:cNvPr>
+          <p:cNvCxnSpPr>
+            <a:cxnSpLocks/>
+          </p:cNvCxnSpPr>
+          <p:nvPr/>
+        </p:nvCxnSpPr>
+        <p:spPr>
+          <a:xfrm>
+            <a:off x="1216212" y="2057086"/>
+            <a:ext cx="0" cy="1809958"/>
+          </a:xfrm>
+          <a:prstGeom prst="straightConnector1">
+            <a:avLst/>
+          </a:prstGeom>
+          <a:ln>
+            <a:solidFill>
+              <a:schemeClr val="tx1">
+                <a:lumMod val="75000"/>
+                <a:lumOff val="25000"/>
+              </a:schemeClr>
+            </a:solidFill>
+            <a:tailEnd type="triangle" w="sm" len="sm"/>
+          </a:ln>
+        </p:spPr>
+        <p:style>
+          <a:lnRef idx="1">
+            <a:schemeClr val="accent1"/>
+          </a:lnRef>
+          <a:fillRef idx="0">
+            <a:schemeClr val="accent1"/>
+          </a:fillRef>
+          <a:effectRef idx="0">
+            <a:schemeClr val="accent1"/>
+          </a:effectRef>
+          <a:fontRef idx="minor">
+            <a:schemeClr val="tx1"/>
+          </a:fontRef>
+        </p:style>
+      </p:cxnSp>
+      <p:cxnSp>
+        <p:nvCxnSpPr>
+          <p:cNvPr id="168" name="Connettore 2 167">
+            <a:extLst>
+              <a:ext uri="{FF2B5EF4-FFF2-40B4-BE49-F238E27FC236}">
+                <a16:creationId xmlns:a16="http://schemas.microsoft.com/office/drawing/2014/main" id="{1995F4C4-EA5A-56FE-21FC-E2B537A64289}"/>
+              </a:ext>
+            </a:extLst>
+          </p:cNvPr>
+          <p:cNvCxnSpPr>
+            <a:cxnSpLocks/>
+          </p:cNvCxnSpPr>
+          <p:nvPr/>
+        </p:nvCxnSpPr>
+        <p:spPr>
+          <a:xfrm>
+            <a:off x="2262295" y="1969129"/>
+            <a:ext cx="0" cy="1897915"/>
+          </a:xfrm>
+          <a:prstGeom prst="straightConnector1">
+            <a:avLst/>
+          </a:prstGeom>
+          <a:ln>
+            <a:solidFill>
+              <a:schemeClr val="tx1">
+                <a:lumMod val="75000"/>
+                <a:lumOff val="25000"/>
+              </a:schemeClr>
+            </a:solidFill>
+            <a:tailEnd type="triangle" w="sm" len="sm"/>
+          </a:ln>
+        </p:spPr>
+        <p:style>
+          <a:lnRef idx="1">
+            <a:schemeClr val="accent1"/>
+          </a:lnRef>
+          <a:fillRef idx="0">
+            <a:schemeClr val="accent1"/>
+          </a:fillRef>
+          <a:effectRef idx="0">
+            <a:schemeClr val="accent1"/>
+          </a:effectRef>
+          <a:fontRef idx="minor">
+            <a:schemeClr val="tx1"/>
+          </a:fontRef>
+        </p:style>
+      </p:cxnSp>
+      <p:cxnSp>
+        <p:nvCxnSpPr>
+          <p:cNvPr id="176" name="Connettore 2 175">
+            <a:extLst>
+              <a:ext uri="{FF2B5EF4-FFF2-40B4-BE49-F238E27FC236}">
+                <a16:creationId xmlns:a16="http://schemas.microsoft.com/office/drawing/2014/main" id="{7723319C-F51D-DB8F-7284-A75FDD8846CC}"/>
+              </a:ext>
+            </a:extLst>
+          </p:cNvPr>
+          <p:cNvCxnSpPr>
+            <a:cxnSpLocks/>
+          </p:cNvCxnSpPr>
+          <p:nvPr/>
+        </p:nvCxnSpPr>
+        <p:spPr>
+          <a:xfrm>
+            <a:off x="640669" y="2434255"/>
+            <a:ext cx="0" cy="1432789"/>
+          </a:xfrm>
+          <a:prstGeom prst="straightConnector1">
+            <a:avLst/>
+          </a:prstGeom>
+          <a:ln>
+            <a:solidFill>
+              <a:schemeClr val="tx1">
+                <a:lumMod val="75000"/>
+                <a:lumOff val="25000"/>
+              </a:schemeClr>
+            </a:solidFill>
+            <a:tailEnd type="triangle" w="sm" len="sm"/>
+          </a:ln>
+        </p:spPr>
+        <p:style>
+          <a:lnRef idx="1">
+            <a:schemeClr val="accent1"/>
+          </a:lnRef>
+          <a:fillRef idx="0">
+            <a:schemeClr val="accent1"/>
+          </a:fillRef>
+          <a:effectRef idx="0">
+            <a:schemeClr val="accent1"/>
+          </a:effectRef>
+          <a:fontRef idx="minor">
+            <a:schemeClr val="tx1"/>
+          </a:fontRef>
+        </p:style>
+      </p:cxnSp>
+      <p:cxnSp>
+        <p:nvCxnSpPr>
+          <p:cNvPr id="189" name="Connettore 2 188">
+            <a:extLst>
+              <a:ext uri="{FF2B5EF4-FFF2-40B4-BE49-F238E27FC236}">
+                <a16:creationId xmlns:a16="http://schemas.microsoft.com/office/drawing/2014/main" id="{2017D58B-F34C-F0DC-DF50-CDFC86279FCB}"/>
+              </a:ext>
+            </a:extLst>
+          </p:cNvPr>
+          <p:cNvCxnSpPr>
+            <a:cxnSpLocks/>
+          </p:cNvCxnSpPr>
+          <p:nvPr/>
+        </p:nvCxnSpPr>
+        <p:spPr>
+          <a:xfrm>
+            <a:off x="466430" y="4844007"/>
+            <a:ext cx="388800" cy="0"/>
+          </a:xfrm>
+          <a:prstGeom prst="straightConnector1">
+            <a:avLst/>
+          </a:prstGeom>
+          <a:ln>
+            <a:solidFill>
+              <a:schemeClr val="tx1">
+                <a:lumMod val="75000"/>
+                <a:lumOff val="25000"/>
+              </a:schemeClr>
+            </a:solidFill>
+            <a:tailEnd type="triangle" w="sm" len="sm"/>
+          </a:ln>
+        </p:spPr>
+        <p:style>
+          <a:lnRef idx="1">
+            <a:schemeClr val="accent1"/>
+          </a:lnRef>
+          <a:fillRef idx="0">
+            <a:schemeClr val="accent1"/>
+          </a:fillRef>
+          <a:effectRef idx="0">
+            <a:schemeClr val="accent1"/>
+          </a:effectRef>
+          <a:fontRef idx="minor">
+            <a:schemeClr val="tx1"/>
+          </a:fontRef>
+        </p:style>
+      </p:cxnSp>
+      <p:cxnSp>
+        <p:nvCxnSpPr>
+          <p:cNvPr id="191" name="Connettore 2 190">
+            <a:extLst>
+              <a:ext uri="{FF2B5EF4-FFF2-40B4-BE49-F238E27FC236}">
+                <a16:creationId xmlns:a16="http://schemas.microsoft.com/office/drawing/2014/main" id="{04B7649E-9DB6-C72C-5955-3BD0FD3C417B}"/>
+              </a:ext>
+            </a:extLst>
+          </p:cNvPr>
+          <p:cNvCxnSpPr>
+            <a:cxnSpLocks/>
+          </p:cNvCxnSpPr>
+          <p:nvPr/>
+        </p:nvCxnSpPr>
+        <p:spPr>
+          <a:xfrm>
+            <a:off x="466430" y="4754877"/>
+            <a:ext cx="1047916" cy="0"/>
+          </a:xfrm>
+          <a:prstGeom prst="straightConnector1">
+            <a:avLst/>
+          </a:prstGeom>
+          <a:ln>
+            <a:solidFill>
+              <a:schemeClr val="tx1">
+                <a:lumMod val="75000"/>
+                <a:lumOff val="25000"/>
+              </a:schemeClr>
+            </a:solidFill>
+            <a:tailEnd type="triangle" w="sm" len="sm"/>
+          </a:ln>
+        </p:spPr>
+        <p:style>
+          <a:lnRef idx="1">
+            <a:schemeClr val="accent1"/>
+          </a:lnRef>
+          <a:fillRef idx="0">
+            <a:schemeClr val="accent1"/>
+          </a:fillRef>
+          <a:effectRef idx="0">
+            <a:schemeClr val="accent1"/>
+          </a:effectRef>
+          <a:fontRef idx="minor">
+            <a:schemeClr val="tx1"/>
+          </a:fontRef>
+        </p:style>
+      </p:cxnSp>
+      <p:cxnSp>
+        <p:nvCxnSpPr>
+          <p:cNvPr id="193" name="Connettore 2 192">
+            <a:extLst>
+              <a:ext uri="{FF2B5EF4-FFF2-40B4-BE49-F238E27FC236}">
+                <a16:creationId xmlns:a16="http://schemas.microsoft.com/office/drawing/2014/main" id="{42FB168A-8424-4AB7-B118-991422BBFD8C}"/>
+              </a:ext>
+            </a:extLst>
+          </p:cNvPr>
+          <p:cNvCxnSpPr>
+            <a:cxnSpLocks/>
+          </p:cNvCxnSpPr>
+          <p:nvPr/>
+        </p:nvCxnSpPr>
+        <p:spPr>
+          <a:xfrm>
+            <a:off x="466430" y="5223730"/>
+            <a:ext cx="133516" cy="0"/>
+          </a:xfrm>
+          <a:prstGeom prst="straightConnector1">
+            <a:avLst/>
+          </a:prstGeom>
+          <a:ln>
+            <a:solidFill>
+              <a:schemeClr val="tx1">
+                <a:lumMod val="75000"/>
+                <a:lumOff val="25000"/>
+              </a:schemeClr>
+            </a:solidFill>
+            <a:tailEnd type="triangle" w="sm" len="sm"/>
+          </a:ln>
+        </p:spPr>
+        <p:style>
+          <a:lnRef idx="1">
+            <a:schemeClr val="accent1"/>
+          </a:lnRef>
+          <a:fillRef idx="0">
+            <a:schemeClr val="accent1"/>
+          </a:fillRef>
+          <a:effectRef idx="0">
+            <a:schemeClr val="accent1"/>
+          </a:effectRef>
+          <a:fontRef idx="minor">
+            <a:schemeClr val="tx1"/>
+          </a:fontRef>
+        </p:style>
+      </p:cxnSp>
+      <p:cxnSp>
+        <p:nvCxnSpPr>
+          <p:cNvPr id="190" name="Connettore 2 189">
+            <a:extLst>
+              <a:ext uri="{FF2B5EF4-FFF2-40B4-BE49-F238E27FC236}">
+                <a16:creationId xmlns:a16="http://schemas.microsoft.com/office/drawing/2014/main" id="{1A4D0887-F29F-14A3-F8BE-DB797BFD5760}"/>
+              </a:ext>
+            </a:extLst>
+          </p:cNvPr>
+          <p:cNvCxnSpPr>
+            <a:cxnSpLocks/>
+          </p:cNvCxnSpPr>
+          <p:nvPr/>
+        </p:nvCxnSpPr>
+        <p:spPr>
+          <a:xfrm>
+            <a:off x="862614" y="4852761"/>
+            <a:ext cx="0" cy="1789518"/>
+          </a:xfrm>
+          <a:prstGeom prst="straightConnector1">
+            <a:avLst/>
+          </a:prstGeom>
+          <a:ln>
+            <a:solidFill>
+              <a:schemeClr val="tx1">
+                <a:lumMod val="75000"/>
+                <a:lumOff val="25000"/>
+              </a:schemeClr>
+            </a:solidFill>
+            <a:tailEnd type="triangle" w="sm" len="sm"/>
+          </a:ln>
+        </p:spPr>
+        <p:style>
+          <a:lnRef idx="1">
+            <a:schemeClr val="accent1"/>
+          </a:lnRef>
+          <a:fillRef idx="0">
+            <a:schemeClr val="accent1"/>
+          </a:fillRef>
+          <a:effectRef idx="0">
+            <a:schemeClr val="accent1"/>
+          </a:effectRef>
+          <a:fontRef idx="minor">
+            <a:schemeClr val="tx1"/>
+          </a:fontRef>
+        </p:style>
+      </p:cxnSp>
+      <p:cxnSp>
+        <p:nvCxnSpPr>
+          <p:cNvPr id="192" name="Connettore 2 191">
+            <a:extLst>
+              <a:ext uri="{FF2B5EF4-FFF2-40B4-BE49-F238E27FC236}">
+                <a16:creationId xmlns:a16="http://schemas.microsoft.com/office/drawing/2014/main" id="{ABBF2211-E287-D8B3-7C92-8BAFEFFDD89C}"/>
+              </a:ext>
+            </a:extLst>
+          </p:cNvPr>
+          <p:cNvCxnSpPr>
+            <a:cxnSpLocks/>
+          </p:cNvCxnSpPr>
+          <p:nvPr/>
+        </p:nvCxnSpPr>
+        <p:spPr>
+          <a:xfrm flipH="1">
+            <a:off x="1520786" y="4765143"/>
+            <a:ext cx="0" cy="1877136"/>
+          </a:xfrm>
+          <a:prstGeom prst="straightConnector1">
+            <a:avLst/>
+          </a:prstGeom>
+          <a:ln>
+            <a:solidFill>
+              <a:schemeClr val="tx1">
+                <a:lumMod val="75000"/>
+                <a:lumOff val="25000"/>
+              </a:schemeClr>
+            </a:solidFill>
+            <a:tailEnd type="triangle" w="sm" len="sm"/>
+          </a:ln>
+        </p:spPr>
+        <p:style>
+          <a:lnRef idx="1">
+            <a:schemeClr val="accent1"/>
+          </a:lnRef>
+          <a:fillRef idx="0">
+            <a:schemeClr val="accent1"/>
+          </a:fillRef>
+          <a:effectRef idx="0">
+            <a:schemeClr val="accent1"/>
+          </a:effectRef>
+          <a:fontRef idx="minor">
+            <a:schemeClr val="tx1"/>
+          </a:fontRef>
+        </p:style>
+      </p:cxnSp>
+      <p:cxnSp>
+        <p:nvCxnSpPr>
+          <p:cNvPr id="194" name="Connettore 2 193">
+            <a:extLst>
+              <a:ext uri="{FF2B5EF4-FFF2-40B4-BE49-F238E27FC236}">
+                <a16:creationId xmlns:a16="http://schemas.microsoft.com/office/drawing/2014/main" id="{9175DA74-8A2D-85B6-0515-FC66DCD0A667}"/>
+              </a:ext>
+            </a:extLst>
+          </p:cNvPr>
+          <p:cNvCxnSpPr>
+            <a:cxnSpLocks/>
+          </p:cNvCxnSpPr>
+          <p:nvPr/>
+        </p:nvCxnSpPr>
+        <p:spPr>
+          <a:xfrm>
+            <a:off x="619265" y="5233390"/>
+            <a:ext cx="1516" cy="1408889"/>
+          </a:xfrm>
+          <a:prstGeom prst="straightConnector1">
+            <a:avLst/>
+          </a:prstGeom>
+          <a:ln>
+            <a:solidFill>
+              <a:schemeClr val="tx1">
+                <a:lumMod val="75000"/>
+                <a:lumOff val="25000"/>
+              </a:schemeClr>
+            </a:solidFill>
+            <a:tailEnd type="triangle" w="sm" len="sm"/>
+          </a:ln>
+        </p:spPr>
+        <p:style>
+          <a:lnRef idx="1">
+            <a:schemeClr val="accent1"/>
+          </a:lnRef>
+          <a:fillRef idx="0">
+            <a:schemeClr val="accent1"/>
+          </a:fillRef>
+          <a:effectRef idx="0">
+            <a:schemeClr val="accent1"/>
+          </a:effectRef>
+          <a:fontRef idx="minor">
+            <a:schemeClr val="tx1"/>
+          </a:fontRef>
+        </p:style>
+      </p:cxnSp>
     </p:spTree>
     <p:extLst>
       <p:ext uri="{BB962C8B-B14F-4D97-AF65-F5344CB8AC3E}">
